--- a/wangying/毕业答辩--王英.pptx
+++ b/wangying/毕业答辩--王英.pptx
@@ -6395,7 +6395,7 @@
         </p:nvSpPr>
         <p:spPr>
           <a:xfrm>
-            <a:off x="1235076" y="4785180"/>
+            <a:off x="1235076" y="5328740"/>
             <a:ext cx="1357313" cy="400052"/>
           </a:xfrm>
           <a:prstGeom prst="rect">
@@ -6458,7 +6458,7 @@
         </p:nvSpPr>
         <p:spPr>
           <a:xfrm>
-            <a:off x="1235076" y="5306673"/>
+            <a:off x="1235076" y="4568168"/>
             <a:ext cx="1357313" cy="400052"/>
           </a:xfrm>
           <a:prstGeom prst="rect">
@@ -6521,7 +6521,7 @@
         </p:nvSpPr>
         <p:spPr>
           <a:xfrm>
-            <a:off x="2593022" y="4767520"/>
+            <a:off x="2593022" y="5311080"/>
             <a:ext cx="1614489" cy="417830"/>
           </a:xfrm>
           <a:prstGeom prst="rect">
@@ -6568,7 +6568,7 @@
         </p:nvSpPr>
         <p:spPr>
           <a:xfrm>
-            <a:off x="2593022" y="5306793"/>
+            <a:off x="2593022" y="4568288"/>
             <a:ext cx="2001838" cy="417830"/>
           </a:xfrm>
           <a:prstGeom prst="rect">
@@ -6631,6 +6631,126 @@
           </a:prstGeom>
         </p:spPr>
       </p:pic>
+      <p:sp>
+        <p:nvSpPr>
+          <p:cNvPr id="2" name="矩形 1"/>
+          <p:cNvSpPr/>
+          <p:nvPr/>
+        </p:nvSpPr>
+        <p:spPr>
+          <a:xfrm>
+            <a:off x="1235076" y="6097090"/>
+            <a:ext cx="1357313" cy="400052"/>
+          </a:xfrm>
+          <a:prstGeom prst="rect">
+            <a:avLst/>
+          </a:prstGeom>
+          <a:solidFill>
+            <a:schemeClr val="accent2"/>
+          </a:solidFill>
+          <a:ln>
+            <a:noFill/>
+          </a:ln>
+          <a:effectLst>
+            <a:outerShdw blurRad="63500" sx="102000" sy="102000" algn="ctr" rotWithShape="0">
+              <a:prstClr val="black">
+                <a:alpha val="40000"/>
+              </a:prstClr>
+            </a:outerShdw>
+          </a:effectLst>
+        </p:spPr>
+        <p:style>
+          <a:lnRef idx="2">
+            <a:schemeClr val="accent1">
+              <a:shade val="50000"/>
+            </a:schemeClr>
+          </a:lnRef>
+          <a:fillRef idx="1">
+            <a:schemeClr val="accent1"/>
+          </a:fillRef>
+          <a:effectRef idx="0">
+            <a:schemeClr val="accent1"/>
+          </a:effectRef>
+          <a:fontRef idx="minor">
+            <a:schemeClr val="lt1"/>
+          </a:fontRef>
+        </p:style>
+        <p:txBody>
+          <a:bodyPr rtlCol="0" anchor="ctr"/>
+          <a:p>
+            <a:pPr algn="ctr"/>
+            <a:r>
+              <a:rPr lang="zh-CN" altLang="zh-HK" sz="2000" b="1" spc="300" dirty="0">
+                <a:latin typeface="微软雅黑" pitchFamily="34" charset="-122"/>
+                <a:ea typeface="微软雅黑" pitchFamily="34" charset="-122"/>
+              </a:rPr>
+              <a:t>专业班级</a:t>
+            </a:r>
+            <a:endParaRPr lang="zh-CN" altLang="zh-HK" sz="2000" b="1" spc="300" dirty="0">
+              <a:latin typeface="微软雅黑" pitchFamily="34" charset="-122"/>
+              <a:ea typeface="微软雅黑" pitchFamily="34" charset="-122"/>
+            </a:endParaRPr>
+          </a:p>
+        </p:txBody>
+      </p:sp>
+      <p:sp>
+        <p:nvSpPr>
+          <p:cNvPr id="4" name="文本框 3"/>
+          <p:cNvSpPr txBox="1"/>
+          <p:nvPr/>
+        </p:nvSpPr>
+        <p:spPr>
+          <a:xfrm>
+            <a:off x="2769235" y="6079490"/>
+            <a:ext cx="2221230" cy="417830"/>
+          </a:xfrm>
+          <a:prstGeom prst="rect">
+            <a:avLst/>
+          </a:prstGeom>
+          <a:noFill/>
+        </p:spPr>
+        <p:txBody>
+          <a:bodyPr wrap="square" rtlCol="0">
+            <a:spAutoFit/>
+          </a:bodyPr>
+          <a:p>
+            <a:pPr algn="ctr"/>
+            <a:r>
+              <a:rPr lang="zh-CN" altLang="zh-HK" sz="2000" b="1" spc="300" dirty="0">
+                <a:solidFill>
+                  <a:schemeClr val="bg2">
+                    <a:lumMod val="50000"/>
+                  </a:schemeClr>
+                </a:solidFill>
+                <a:latin typeface="微软雅黑" pitchFamily="34" charset="-122"/>
+                <a:ea typeface="微软雅黑" pitchFamily="34" charset="-122"/>
+              </a:rPr>
+              <a:t>微电子</a:t>
+            </a:r>
+            <a:r>
+              <a:rPr lang="en-US" altLang="zh-CN" sz="2000" b="1" spc="300" dirty="0">
+                <a:solidFill>
+                  <a:schemeClr val="bg2">
+                    <a:lumMod val="50000"/>
+                  </a:schemeClr>
+                </a:solidFill>
+                <a:latin typeface="微软雅黑" pitchFamily="34" charset="-122"/>
+                <a:ea typeface="微软雅黑" pitchFamily="34" charset="-122"/>
+              </a:rPr>
+              <a:t>1202</a:t>
+            </a:r>
+            <a:endParaRPr lang="en-US" altLang="zh-CN" sz="2000" b="1" spc="300" dirty="0">
+              <a:solidFill>
+                <a:schemeClr val="bg2">
+                  <a:lumMod val="50000"/>
+                </a:schemeClr>
+              </a:solidFill>
+              <a:latin typeface="微软雅黑" pitchFamily="34" charset="-122"/>
+              <a:ea typeface="微软雅黑" pitchFamily="34" charset="-122"/>
+            </a:endParaRPr>
+          </a:p>
+        </p:txBody>
+      </p:sp>
     </p:spTree>
   </p:cSld>
   <p:clrMapOvr>
@@ -8748,7 +8868,7 @@
         <p:spPr>
           <a:xfrm>
             <a:off x="49632" y="2729777"/>
-            <a:ext cx="2171700" cy="461665"/>
+            <a:ext cx="2171700" cy="483235"/>
           </a:xfrm>
           <a:prstGeom prst="rect">
             <a:avLst/>
@@ -8770,7 +8890,7 @@
                 <a:latin typeface="微软雅黑" pitchFamily="34" charset="-122"/>
                 <a:ea typeface="微软雅黑" pitchFamily="34" charset="-122"/>
               </a:rPr>
-              <a:t>整体逻辑</a:t>
+              <a:t>逻辑功能</a:t>
             </a:r>
             <a:endParaRPr lang="zh-HK" altLang="en-US" sz="2400" b="1" dirty="0">
               <a:solidFill>
@@ -8778,6 +8898,2497 @@
               </a:solidFill>
               <a:latin typeface="微软雅黑" pitchFamily="34" charset="-122"/>
               <a:ea typeface="微软雅黑" pitchFamily="34" charset="-122"/>
+            </a:endParaRPr>
+          </a:p>
+        </p:txBody>
+      </p:sp>
+      <p:sp>
+        <p:nvSpPr>
+          <p:cNvPr id="23" name="矩形 22"/>
+          <p:cNvSpPr/>
+          <p:nvPr/>
+        </p:nvSpPr>
+        <p:spPr>
+          <a:xfrm>
+            <a:off x="1910715" y="2356485"/>
+            <a:ext cx="1576070" cy="400685"/>
+          </a:xfrm>
+          <a:prstGeom prst="rect">
+            <a:avLst/>
+          </a:prstGeom>
+        </p:spPr>
+        <p:style>
+          <a:lnRef idx="2">
+            <a:schemeClr val="accent1">
+              <a:shade val="50000"/>
+            </a:schemeClr>
+          </a:lnRef>
+          <a:fillRef idx="1">
+            <a:schemeClr val="accent1"/>
+          </a:fillRef>
+          <a:effectRef idx="0">
+            <a:schemeClr val="accent1"/>
+          </a:effectRef>
+          <a:fontRef idx="minor">
+            <a:schemeClr val="lt1"/>
+          </a:fontRef>
+        </p:style>
+        <p:txBody>
+          <a:bodyPr rtlCol="0" anchor="ctr"/>
+          <a:p>
+            <a:pPr algn="ctr"/>
+            <a:endParaRPr lang="zh-CN" altLang="en-US"/>
+          </a:p>
+        </p:txBody>
+      </p:sp>
+      <p:sp>
+        <p:nvSpPr>
+          <p:cNvPr id="24" name="矩形 23"/>
+          <p:cNvSpPr/>
+          <p:nvPr/>
+        </p:nvSpPr>
+        <p:spPr>
+          <a:xfrm>
+            <a:off x="2103755" y="5631180"/>
+            <a:ext cx="1220470" cy="375285"/>
+          </a:xfrm>
+          <a:prstGeom prst="rect">
+            <a:avLst/>
+          </a:prstGeom>
+        </p:spPr>
+        <p:style>
+          <a:lnRef idx="2">
+            <a:schemeClr val="accent1">
+              <a:shade val="50000"/>
+            </a:schemeClr>
+          </a:lnRef>
+          <a:fillRef idx="1">
+            <a:schemeClr val="accent1"/>
+          </a:fillRef>
+          <a:effectRef idx="0">
+            <a:schemeClr val="accent1"/>
+          </a:effectRef>
+          <a:fontRef idx="minor">
+            <a:schemeClr val="lt1"/>
+          </a:fontRef>
+        </p:style>
+        <p:txBody>
+          <a:bodyPr rtlCol="0" anchor="ctr"/>
+          <a:p>
+            <a:pPr algn="ctr"/>
+            <a:endParaRPr lang="zh-CN" altLang="en-US"/>
+          </a:p>
+        </p:txBody>
+      </p:sp>
+      <p:sp>
+        <p:nvSpPr>
+          <p:cNvPr id="25" name="圆角矩形 24"/>
+          <p:cNvSpPr/>
+          <p:nvPr/>
+        </p:nvSpPr>
+        <p:spPr>
+          <a:xfrm>
+            <a:off x="2404110" y="1521460"/>
+            <a:ext cx="601345" cy="389255"/>
+          </a:xfrm>
+          <a:prstGeom prst="roundRect">
+            <a:avLst/>
+          </a:prstGeom>
+        </p:spPr>
+        <p:style>
+          <a:lnRef idx="2">
+            <a:schemeClr val="accent1">
+              <a:shade val="50000"/>
+            </a:schemeClr>
+          </a:lnRef>
+          <a:fillRef idx="1">
+            <a:schemeClr val="accent1"/>
+          </a:fillRef>
+          <a:effectRef idx="0">
+            <a:schemeClr val="accent1"/>
+          </a:effectRef>
+          <a:fontRef idx="minor">
+            <a:schemeClr val="lt1"/>
+          </a:fontRef>
+        </p:style>
+        <p:txBody>
+          <a:bodyPr rtlCol="0" anchor="ctr"/>
+          <a:p>
+            <a:pPr algn="ctr"/>
+            <a:endParaRPr lang="zh-CN" altLang="en-US"/>
+          </a:p>
+        </p:txBody>
+      </p:sp>
+      <p:sp>
+        <p:nvSpPr>
+          <p:cNvPr id="26" name="圆角矩形 25"/>
+          <p:cNvSpPr/>
+          <p:nvPr/>
+        </p:nvSpPr>
+        <p:spPr>
+          <a:xfrm>
+            <a:off x="2328545" y="6342380"/>
+            <a:ext cx="760095" cy="293370"/>
+          </a:xfrm>
+          <a:prstGeom prst="roundRect">
+            <a:avLst/>
+          </a:prstGeom>
+        </p:spPr>
+        <p:style>
+          <a:lnRef idx="2">
+            <a:schemeClr val="accent1">
+              <a:shade val="50000"/>
+            </a:schemeClr>
+          </a:lnRef>
+          <a:fillRef idx="1">
+            <a:schemeClr val="accent1"/>
+          </a:fillRef>
+          <a:effectRef idx="0">
+            <a:schemeClr val="accent1"/>
+          </a:effectRef>
+          <a:fontRef idx="minor">
+            <a:schemeClr val="lt1"/>
+          </a:fontRef>
+        </p:style>
+        <p:txBody>
+          <a:bodyPr rtlCol="0" anchor="ctr"/>
+          <a:p>
+            <a:pPr algn="ctr"/>
+            <a:endParaRPr lang="zh-CN" altLang="en-US"/>
+          </a:p>
+        </p:txBody>
+      </p:sp>
+      <p:sp>
+        <p:nvSpPr>
+          <p:cNvPr id="27" name="平行四边形 26"/>
+          <p:cNvSpPr/>
+          <p:nvPr/>
+        </p:nvSpPr>
+        <p:spPr>
+          <a:xfrm>
+            <a:off x="1792605" y="3185160"/>
+            <a:ext cx="1834515" cy="515620"/>
+          </a:xfrm>
+          <a:prstGeom prst="parallelogram">
+            <a:avLst/>
+          </a:prstGeom>
+        </p:spPr>
+        <p:style>
+          <a:lnRef idx="2">
+            <a:schemeClr val="accent1">
+              <a:shade val="50000"/>
+            </a:schemeClr>
+          </a:lnRef>
+          <a:fillRef idx="1">
+            <a:schemeClr val="accent1"/>
+          </a:fillRef>
+          <a:effectRef idx="0">
+            <a:schemeClr val="accent1"/>
+          </a:effectRef>
+          <a:fontRef idx="minor">
+            <a:schemeClr val="lt1"/>
+          </a:fontRef>
+        </p:style>
+        <p:txBody>
+          <a:bodyPr rtlCol="0" anchor="ctr"/>
+          <a:p>
+            <a:pPr algn="ctr"/>
+            <a:endParaRPr lang="zh-CN" altLang="en-US"/>
+          </a:p>
+        </p:txBody>
+      </p:sp>
+      <p:sp>
+        <p:nvSpPr>
+          <p:cNvPr id="28" name="菱形 27"/>
+          <p:cNvSpPr/>
+          <p:nvPr/>
+        </p:nvSpPr>
+        <p:spPr>
+          <a:xfrm>
+            <a:off x="1924685" y="4128770"/>
+            <a:ext cx="1547495" cy="1156970"/>
+          </a:xfrm>
+          <a:prstGeom prst="diamond">
+            <a:avLst/>
+          </a:prstGeom>
+        </p:spPr>
+        <p:style>
+          <a:lnRef idx="2">
+            <a:schemeClr val="accent1">
+              <a:shade val="50000"/>
+            </a:schemeClr>
+          </a:lnRef>
+          <a:fillRef idx="1">
+            <a:schemeClr val="accent1"/>
+          </a:fillRef>
+          <a:effectRef idx="0">
+            <a:schemeClr val="accent1"/>
+          </a:effectRef>
+          <a:fontRef idx="minor">
+            <a:schemeClr val="lt1"/>
+          </a:fontRef>
+        </p:style>
+        <p:txBody>
+          <a:bodyPr rtlCol="0" anchor="ctr"/>
+          <a:p>
+            <a:pPr algn="ctr"/>
+            <a:endParaRPr lang="zh-CN" altLang="en-US"/>
+          </a:p>
+        </p:txBody>
+      </p:sp>
+      <p:cxnSp>
+        <p:nvCxnSpPr>
+          <p:cNvPr id="29" name="直接箭头连接符 28"/>
+          <p:cNvCxnSpPr>
+            <a:stCxn id="25" idx="2"/>
+            <a:endCxn id="23" idx="0"/>
+          </p:cNvCxnSpPr>
+          <p:nvPr/>
+        </p:nvCxnSpPr>
+        <p:spPr>
+          <a:xfrm flipH="1">
+            <a:off x="2698750" y="1910715"/>
+            <a:ext cx="6350" cy="445770"/>
+          </a:xfrm>
+          <a:prstGeom prst="straightConnector1">
+            <a:avLst/>
+          </a:prstGeom>
+          <a:ln>
+            <a:tailEnd type="arrow"/>
+          </a:ln>
+        </p:spPr>
+        <p:style>
+          <a:lnRef idx="1">
+            <a:schemeClr val="accent1"/>
+          </a:lnRef>
+          <a:fillRef idx="0">
+            <a:schemeClr val="accent1"/>
+          </a:fillRef>
+          <a:effectRef idx="0">
+            <a:schemeClr val="accent1"/>
+          </a:effectRef>
+          <a:fontRef idx="minor">
+            <a:schemeClr val="tx1"/>
+          </a:fontRef>
+        </p:style>
+      </p:cxnSp>
+      <p:cxnSp>
+        <p:nvCxnSpPr>
+          <p:cNvPr id="30" name="直接箭头连接符 29"/>
+          <p:cNvCxnSpPr/>
+          <p:nvPr/>
+        </p:nvCxnSpPr>
+        <p:spPr>
+          <a:xfrm flipH="1">
+            <a:off x="2689860" y="2757170"/>
+            <a:ext cx="8890" cy="456565"/>
+          </a:xfrm>
+          <a:prstGeom prst="straightConnector1">
+            <a:avLst/>
+          </a:prstGeom>
+          <a:ln>
+            <a:tailEnd type="arrow"/>
+          </a:ln>
+        </p:spPr>
+        <p:style>
+          <a:lnRef idx="1">
+            <a:schemeClr val="accent1"/>
+          </a:lnRef>
+          <a:fillRef idx="0">
+            <a:schemeClr val="accent1"/>
+          </a:fillRef>
+          <a:effectRef idx="0">
+            <a:schemeClr val="accent1"/>
+          </a:effectRef>
+          <a:fontRef idx="minor">
+            <a:schemeClr val="tx1"/>
+          </a:fontRef>
+        </p:style>
+      </p:cxnSp>
+      <p:cxnSp>
+        <p:nvCxnSpPr>
+          <p:cNvPr id="31" name="直接箭头连接符 30"/>
+          <p:cNvCxnSpPr>
+            <a:stCxn id="27" idx="4"/>
+            <a:endCxn id="28" idx="0"/>
+          </p:cNvCxnSpPr>
+          <p:nvPr/>
+        </p:nvCxnSpPr>
+        <p:spPr>
+          <a:xfrm flipH="1">
+            <a:off x="2698750" y="3700780"/>
+            <a:ext cx="11430" cy="427990"/>
+          </a:xfrm>
+          <a:prstGeom prst="straightConnector1">
+            <a:avLst/>
+          </a:prstGeom>
+          <a:ln>
+            <a:tailEnd type="arrow"/>
+          </a:ln>
+        </p:spPr>
+        <p:style>
+          <a:lnRef idx="1">
+            <a:schemeClr val="accent1"/>
+          </a:lnRef>
+          <a:fillRef idx="0">
+            <a:schemeClr val="accent1"/>
+          </a:fillRef>
+          <a:effectRef idx="0">
+            <a:schemeClr val="accent1"/>
+          </a:effectRef>
+          <a:fontRef idx="minor">
+            <a:schemeClr val="tx1"/>
+          </a:fontRef>
+        </p:style>
+      </p:cxnSp>
+      <p:cxnSp>
+        <p:nvCxnSpPr>
+          <p:cNvPr id="32" name="直接箭头连接符 31"/>
+          <p:cNvCxnSpPr>
+            <a:stCxn id="28" idx="2"/>
+            <a:endCxn id="24" idx="0"/>
+          </p:cNvCxnSpPr>
+          <p:nvPr/>
+        </p:nvCxnSpPr>
+        <p:spPr>
+          <a:xfrm>
+            <a:off x="2698750" y="5285740"/>
+            <a:ext cx="15240" cy="345440"/>
+          </a:xfrm>
+          <a:prstGeom prst="straightConnector1">
+            <a:avLst/>
+          </a:prstGeom>
+          <a:ln>
+            <a:tailEnd type="arrow"/>
+          </a:ln>
+        </p:spPr>
+        <p:style>
+          <a:lnRef idx="1">
+            <a:schemeClr val="accent1"/>
+          </a:lnRef>
+          <a:fillRef idx="0">
+            <a:schemeClr val="accent1"/>
+          </a:fillRef>
+          <a:effectRef idx="0">
+            <a:schemeClr val="accent1"/>
+          </a:effectRef>
+          <a:fontRef idx="minor">
+            <a:schemeClr val="tx1"/>
+          </a:fontRef>
+        </p:style>
+      </p:cxnSp>
+      <p:cxnSp>
+        <p:nvCxnSpPr>
+          <p:cNvPr id="33" name="直接箭头连接符 32"/>
+          <p:cNvCxnSpPr>
+            <a:stCxn id="42" idx="2"/>
+            <a:endCxn id="26" idx="0"/>
+          </p:cNvCxnSpPr>
+          <p:nvPr/>
+        </p:nvCxnSpPr>
+        <p:spPr>
+          <a:xfrm flipH="1">
+            <a:off x="2708910" y="6006465"/>
+            <a:ext cx="635" cy="335915"/>
+          </a:xfrm>
+          <a:prstGeom prst="straightConnector1">
+            <a:avLst/>
+          </a:prstGeom>
+          <a:ln>
+            <a:tailEnd type="arrow"/>
+          </a:ln>
+        </p:spPr>
+        <p:style>
+          <a:lnRef idx="1">
+            <a:schemeClr val="accent1"/>
+          </a:lnRef>
+          <a:fillRef idx="0">
+            <a:schemeClr val="accent1"/>
+          </a:fillRef>
+          <a:effectRef idx="0">
+            <a:schemeClr val="accent1"/>
+          </a:effectRef>
+          <a:fontRef idx="minor">
+            <a:schemeClr val="tx1"/>
+          </a:fontRef>
+        </p:style>
+      </p:cxnSp>
+      <p:cxnSp>
+        <p:nvCxnSpPr>
+          <p:cNvPr id="34" name="直接连接符 33"/>
+          <p:cNvCxnSpPr>
+            <a:stCxn id="28" idx="3"/>
+          </p:cNvCxnSpPr>
+          <p:nvPr/>
+        </p:nvCxnSpPr>
+        <p:spPr>
+          <a:xfrm flipV="1">
+            <a:off x="3472180" y="4700270"/>
+            <a:ext cx="514350" cy="6985"/>
+          </a:xfrm>
+          <a:prstGeom prst="line">
+            <a:avLst/>
+          </a:prstGeom>
+        </p:spPr>
+        <p:style>
+          <a:lnRef idx="1">
+            <a:schemeClr val="accent1"/>
+          </a:lnRef>
+          <a:fillRef idx="0">
+            <a:schemeClr val="accent1"/>
+          </a:fillRef>
+          <a:effectRef idx="0">
+            <a:schemeClr val="accent1"/>
+          </a:effectRef>
+          <a:fontRef idx="minor">
+            <a:schemeClr val="tx1"/>
+          </a:fontRef>
+        </p:style>
+      </p:cxnSp>
+      <p:cxnSp>
+        <p:nvCxnSpPr>
+          <p:cNvPr id="35" name="直接连接符 34"/>
+          <p:cNvCxnSpPr/>
+          <p:nvPr/>
+        </p:nvCxnSpPr>
+        <p:spPr>
+          <a:xfrm flipV="1">
+            <a:off x="3943985" y="2536190"/>
+            <a:ext cx="0" cy="2188210"/>
+          </a:xfrm>
+          <a:prstGeom prst="line">
+            <a:avLst/>
+          </a:prstGeom>
+        </p:spPr>
+        <p:style>
+          <a:lnRef idx="1">
+            <a:schemeClr val="accent1"/>
+          </a:lnRef>
+          <a:fillRef idx="0">
+            <a:schemeClr val="accent1"/>
+          </a:fillRef>
+          <a:effectRef idx="0">
+            <a:schemeClr val="accent1"/>
+          </a:effectRef>
+          <a:fontRef idx="minor">
+            <a:schemeClr val="tx1"/>
+          </a:fontRef>
+        </p:style>
+      </p:cxnSp>
+      <p:cxnSp>
+        <p:nvCxnSpPr>
+          <p:cNvPr id="36" name="直接箭头连接符 35"/>
+          <p:cNvCxnSpPr/>
+          <p:nvPr/>
+        </p:nvCxnSpPr>
+        <p:spPr>
+          <a:xfrm flipH="1">
+            <a:off x="3489960" y="2550160"/>
+            <a:ext cx="467995" cy="0"/>
+          </a:xfrm>
+          <a:prstGeom prst="straightConnector1">
+            <a:avLst/>
+          </a:prstGeom>
+          <a:ln>
+            <a:tailEnd type="arrow"/>
+          </a:ln>
+        </p:spPr>
+        <p:style>
+          <a:lnRef idx="1">
+            <a:schemeClr val="accent1"/>
+          </a:lnRef>
+          <a:fillRef idx="0">
+            <a:schemeClr val="accent1"/>
+          </a:fillRef>
+          <a:effectRef idx="0">
+            <a:schemeClr val="accent1"/>
+          </a:effectRef>
+          <a:fontRef idx="minor">
+            <a:schemeClr val="tx1"/>
+          </a:fontRef>
+        </p:style>
+      </p:cxnSp>
+      <p:sp>
+        <p:nvSpPr>
+          <p:cNvPr id="37" name="文本框 36"/>
+          <p:cNvSpPr txBox="1"/>
+          <p:nvPr/>
+        </p:nvSpPr>
+        <p:spPr>
+          <a:xfrm>
+            <a:off x="2416175" y="1575435"/>
+            <a:ext cx="673100" cy="304800"/>
+          </a:xfrm>
+          <a:prstGeom prst="rect">
+            <a:avLst/>
+          </a:prstGeom>
+          <a:noFill/>
+        </p:spPr>
+        <p:txBody>
+          <a:bodyPr wrap="square" rtlCol="0">
+            <a:spAutoFit/>
+          </a:bodyPr>
+          <a:p>
+            <a:r>
+              <a:rPr lang="zh-CN" altLang="en-US" sz="1400">
+                <a:solidFill>
+                  <a:schemeClr val="bg1"/>
+                </a:solidFill>
+              </a:rPr>
+              <a:t>开始</a:t>
+            </a:r>
+            <a:endParaRPr lang="zh-CN" altLang="en-US" sz="1400">
+              <a:solidFill>
+                <a:schemeClr val="bg1"/>
+              </a:solidFill>
+            </a:endParaRPr>
+          </a:p>
+        </p:txBody>
+      </p:sp>
+      <p:sp>
+        <p:nvSpPr>
+          <p:cNvPr id="38" name="文本框 37"/>
+          <p:cNvSpPr txBox="1"/>
+          <p:nvPr/>
+        </p:nvSpPr>
+        <p:spPr>
+          <a:xfrm>
+            <a:off x="2226945" y="4554855"/>
+            <a:ext cx="977900" cy="304800"/>
+          </a:xfrm>
+          <a:prstGeom prst="rect">
+            <a:avLst/>
+          </a:prstGeom>
+          <a:noFill/>
+        </p:spPr>
+        <p:txBody>
+          <a:bodyPr wrap="square" rtlCol="0">
+            <a:spAutoFit/>
+          </a:bodyPr>
+          <a:p>
+            <a:r>
+              <a:rPr lang="zh-CN" altLang="en-US" sz="1400">
+                <a:solidFill>
+                  <a:schemeClr val="bg1"/>
+                </a:solidFill>
+              </a:rPr>
+              <a:t>是否正确</a:t>
+            </a:r>
+            <a:endParaRPr lang="zh-CN" altLang="en-US" sz="1400">
+              <a:solidFill>
+                <a:schemeClr val="bg1"/>
+              </a:solidFill>
+            </a:endParaRPr>
+          </a:p>
+        </p:txBody>
+      </p:sp>
+      <p:sp>
+        <p:nvSpPr>
+          <p:cNvPr id="39" name="文本框 38"/>
+          <p:cNvSpPr txBox="1"/>
+          <p:nvPr/>
+        </p:nvSpPr>
+        <p:spPr>
+          <a:xfrm>
+            <a:off x="1866900" y="3290570"/>
+            <a:ext cx="1605280" cy="304800"/>
+          </a:xfrm>
+          <a:prstGeom prst="rect">
+            <a:avLst/>
+          </a:prstGeom>
+          <a:noFill/>
+        </p:spPr>
+        <p:txBody>
+          <a:bodyPr wrap="none" rtlCol="0">
+            <a:spAutoFit/>
+          </a:bodyPr>
+          <a:p>
+            <a:r>
+              <a:rPr lang="zh-CN" altLang="en-US" sz="1400">
+                <a:solidFill>
+                  <a:schemeClr val="bg1"/>
+                </a:solidFill>
+              </a:rPr>
+              <a:t>输入用户名、密码</a:t>
+            </a:r>
+            <a:endParaRPr lang="zh-CN" altLang="en-US" sz="1400">
+              <a:solidFill>
+                <a:schemeClr val="bg1"/>
+              </a:solidFill>
+            </a:endParaRPr>
+          </a:p>
+        </p:txBody>
+      </p:sp>
+      <p:sp>
+        <p:nvSpPr>
+          <p:cNvPr id="40" name="文本框 39"/>
+          <p:cNvSpPr txBox="1"/>
+          <p:nvPr/>
+        </p:nvSpPr>
+        <p:spPr>
+          <a:xfrm>
+            <a:off x="2200910" y="2421890"/>
+            <a:ext cx="894080" cy="304800"/>
+          </a:xfrm>
+          <a:prstGeom prst="rect">
+            <a:avLst/>
+          </a:prstGeom>
+          <a:noFill/>
+        </p:spPr>
+        <p:txBody>
+          <a:bodyPr wrap="none" rtlCol="0">
+            <a:spAutoFit/>
+          </a:bodyPr>
+          <a:p>
+            <a:r>
+              <a:rPr lang="zh-CN" altLang="en-US" sz="1400">
+                <a:solidFill>
+                  <a:schemeClr val="bg1"/>
+                </a:solidFill>
+              </a:rPr>
+              <a:t>登录页面</a:t>
+            </a:r>
+            <a:endParaRPr lang="zh-CN" altLang="en-US" sz="1400">
+              <a:solidFill>
+                <a:schemeClr val="bg1"/>
+              </a:solidFill>
+            </a:endParaRPr>
+          </a:p>
+        </p:txBody>
+      </p:sp>
+      <p:sp>
+        <p:nvSpPr>
+          <p:cNvPr id="41" name="文本框 40"/>
+          <p:cNvSpPr txBox="1"/>
+          <p:nvPr/>
+        </p:nvSpPr>
+        <p:spPr>
+          <a:xfrm>
+            <a:off x="2416175" y="6342380"/>
+            <a:ext cx="538480" cy="304800"/>
+          </a:xfrm>
+          <a:prstGeom prst="rect">
+            <a:avLst/>
+          </a:prstGeom>
+          <a:noFill/>
+        </p:spPr>
+        <p:txBody>
+          <a:bodyPr wrap="none" rtlCol="0">
+            <a:spAutoFit/>
+          </a:bodyPr>
+          <a:p>
+            <a:r>
+              <a:rPr lang="zh-CN" altLang="en-US" sz="1400">
+                <a:solidFill>
+                  <a:schemeClr val="bg1"/>
+                </a:solidFill>
+              </a:rPr>
+              <a:t>结束</a:t>
+            </a:r>
+            <a:endParaRPr lang="zh-CN" altLang="en-US" sz="1400">
+              <a:solidFill>
+                <a:schemeClr val="bg1"/>
+              </a:solidFill>
+            </a:endParaRPr>
+          </a:p>
+        </p:txBody>
+      </p:sp>
+      <p:sp>
+        <p:nvSpPr>
+          <p:cNvPr id="42" name="文本框 41"/>
+          <p:cNvSpPr txBox="1"/>
+          <p:nvPr/>
+        </p:nvSpPr>
+        <p:spPr>
+          <a:xfrm>
+            <a:off x="2262505" y="5701665"/>
+            <a:ext cx="894080" cy="304800"/>
+          </a:xfrm>
+          <a:prstGeom prst="rect">
+            <a:avLst/>
+          </a:prstGeom>
+          <a:noFill/>
+        </p:spPr>
+        <p:txBody>
+          <a:bodyPr wrap="none" rtlCol="0">
+            <a:spAutoFit/>
+          </a:bodyPr>
+          <a:p>
+            <a:r>
+              <a:rPr lang="zh-CN" altLang="en-US" sz="1400">
+                <a:solidFill>
+                  <a:schemeClr val="bg1"/>
+                </a:solidFill>
+              </a:rPr>
+              <a:t>跳转首页</a:t>
+            </a:r>
+            <a:endParaRPr lang="zh-CN" altLang="en-US" sz="1400">
+              <a:solidFill>
+                <a:schemeClr val="bg1"/>
+              </a:solidFill>
+            </a:endParaRPr>
+          </a:p>
+        </p:txBody>
+      </p:sp>
+      <p:sp>
+        <p:nvSpPr>
+          <p:cNvPr id="43" name="文本框 42"/>
+          <p:cNvSpPr txBox="1"/>
+          <p:nvPr/>
+        </p:nvSpPr>
+        <p:spPr>
+          <a:xfrm>
+            <a:off x="2770505" y="5285740"/>
+            <a:ext cx="386080" cy="335280"/>
+          </a:xfrm>
+          <a:prstGeom prst="rect">
+            <a:avLst/>
+          </a:prstGeom>
+          <a:noFill/>
+        </p:spPr>
+        <p:txBody>
+          <a:bodyPr wrap="square" rtlCol="0">
+            <a:spAutoFit/>
+          </a:bodyPr>
+          <a:p>
+            <a:r>
+              <a:rPr lang="zh-CN" altLang="en-US" sz="1600">
+                <a:solidFill>
+                  <a:schemeClr val="tx1">
+                    <a:lumMod val="75000"/>
+                    <a:lumOff val="25000"/>
+                  </a:schemeClr>
+                </a:solidFill>
+              </a:rPr>
+              <a:t>是</a:t>
+            </a:r>
+            <a:endParaRPr lang="zh-CN" altLang="en-US" sz="1600">
+              <a:solidFill>
+                <a:schemeClr val="tx1">
+                  <a:lumMod val="75000"/>
+                  <a:lumOff val="25000"/>
+                </a:schemeClr>
+              </a:solidFill>
+            </a:endParaRPr>
+          </a:p>
+        </p:txBody>
+      </p:sp>
+      <p:sp>
+        <p:nvSpPr>
+          <p:cNvPr id="44" name="文本框 43"/>
+          <p:cNvSpPr txBox="1"/>
+          <p:nvPr/>
+        </p:nvSpPr>
+        <p:spPr>
+          <a:xfrm>
+            <a:off x="3536315" y="4364990"/>
+            <a:ext cx="386080" cy="335280"/>
+          </a:xfrm>
+          <a:prstGeom prst="rect">
+            <a:avLst/>
+          </a:prstGeom>
+          <a:noFill/>
+        </p:spPr>
+        <p:txBody>
+          <a:bodyPr wrap="none" rtlCol="0">
+            <a:spAutoFit/>
+          </a:bodyPr>
+          <a:p>
+            <a:r>
+              <a:rPr lang="zh-CN" altLang="en-US" sz="1600">
+                <a:solidFill>
+                  <a:schemeClr val="tx1">
+                    <a:lumMod val="75000"/>
+                    <a:lumOff val="25000"/>
+                  </a:schemeClr>
+                </a:solidFill>
+              </a:rPr>
+              <a:t>否</a:t>
+            </a:r>
+            <a:endParaRPr lang="zh-CN" altLang="en-US" sz="1600">
+              <a:solidFill>
+                <a:schemeClr val="tx1">
+                  <a:lumMod val="75000"/>
+                  <a:lumOff val="25000"/>
+                </a:schemeClr>
+              </a:solidFill>
+            </a:endParaRPr>
+          </a:p>
+        </p:txBody>
+      </p:sp>
+      <p:sp>
+        <p:nvSpPr>
+          <p:cNvPr id="46" name="圆角矩形 45"/>
+          <p:cNvSpPr/>
+          <p:nvPr/>
+        </p:nvSpPr>
+        <p:spPr>
+          <a:xfrm>
+            <a:off x="6505575" y="650875"/>
+            <a:ext cx="680720" cy="286385"/>
+          </a:xfrm>
+          <a:prstGeom prst="roundRect">
+            <a:avLst/>
+          </a:prstGeom>
+        </p:spPr>
+        <p:style>
+          <a:lnRef idx="2">
+            <a:schemeClr val="accent1">
+              <a:shade val="50000"/>
+            </a:schemeClr>
+          </a:lnRef>
+          <a:fillRef idx="1">
+            <a:schemeClr val="accent1"/>
+          </a:fillRef>
+          <a:effectRef idx="0">
+            <a:schemeClr val="accent1"/>
+          </a:effectRef>
+          <a:fontRef idx="minor">
+            <a:schemeClr val="lt1"/>
+          </a:fontRef>
+        </p:style>
+        <p:txBody>
+          <a:bodyPr rtlCol="0" anchor="ctr"/>
+          <a:p>
+            <a:pPr algn="ctr"/>
+            <a:endParaRPr lang="zh-CN" altLang="en-US"/>
+          </a:p>
+        </p:txBody>
+      </p:sp>
+      <p:sp>
+        <p:nvSpPr>
+          <p:cNvPr id="47" name="圆角矩形 46"/>
+          <p:cNvSpPr/>
+          <p:nvPr/>
+        </p:nvSpPr>
+        <p:spPr>
+          <a:xfrm>
+            <a:off x="6466205" y="6342380"/>
+            <a:ext cx="760095" cy="293370"/>
+          </a:xfrm>
+          <a:prstGeom prst="roundRect">
+            <a:avLst/>
+          </a:prstGeom>
+        </p:spPr>
+        <p:style>
+          <a:lnRef idx="2">
+            <a:schemeClr val="accent1">
+              <a:shade val="50000"/>
+            </a:schemeClr>
+          </a:lnRef>
+          <a:fillRef idx="1">
+            <a:schemeClr val="accent1"/>
+          </a:fillRef>
+          <a:effectRef idx="0">
+            <a:schemeClr val="accent1"/>
+          </a:effectRef>
+          <a:fontRef idx="minor">
+            <a:schemeClr val="lt1"/>
+          </a:fontRef>
+        </p:style>
+        <p:txBody>
+          <a:bodyPr rtlCol="0" anchor="ctr"/>
+          <a:p>
+            <a:pPr algn="ctr"/>
+            <a:endParaRPr lang="zh-CN" altLang="en-US"/>
+          </a:p>
+        </p:txBody>
+      </p:sp>
+      <p:sp>
+        <p:nvSpPr>
+          <p:cNvPr id="48" name="矩形 47"/>
+          <p:cNvSpPr/>
+          <p:nvPr/>
+        </p:nvSpPr>
+        <p:spPr>
+          <a:xfrm>
+            <a:off x="6111875" y="1155700"/>
+            <a:ext cx="1576070" cy="400685"/>
+          </a:xfrm>
+          <a:prstGeom prst="rect">
+            <a:avLst/>
+          </a:prstGeom>
+        </p:spPr>
+        <p:style>
+          <a:lnRef idx="2">
+            <a:schemeClr val="accent1">
+              <a:shade val="50000"/>
+            </a:schemeClr>
+          </a:lnRef>
+          <a:fillRef idx="1">
+            <a:schemeClr val="accent1"/>
+          </a:fillRef>
+          <a:effectRef idx="0">
+            <a:schemeClr val="accent1"/>
+          </a:effectRef>
+          <a:fontRef idx="minor">
+            <a:schemeClr val="lt1"/>
+          </a:fontRef>
+        </p:style>
+        <p:txBody>
+          <a:bodyPr rtlCol="0" anchor="ctr"/>
+          <a:p>
+            <a:pPr algn="ctr"/>
+            <a:endParaRPr lang="zh-CN" altLang="en-US"/>
+          </a:p>
+        </p:txBody>
+      </p:sp>
+      <p:sp>
+        <p:nvSpPr>
+          <p:cNvPr id="49" name="矩形 48"/>
+          <p:cNvSpPr/>
+          <p:nvPr/>
+        </p:nvSpPr>
+        <p:spPr>
+          <a:xfrm>
+            <a:off x="5661660" y="2809240"/>
+            <a:ext cx="2696210" cy="481965"/>
+          </a:xfrm>
+          <a:prstGeom prst="rect">
+            <a:avLst/>
+          </a:prstGeom>
+        </p:spPr>
+        <p:style>
+          <a:lnRef idx="2">
+            <a:schemeClr val="accent1">
+              <a:shade val="50000"/>
+            </a:schemeClr>
+          </a:lnRef>
+          <a:fillRef idx="1">
+            <a:schemeClr val="accent1"/>
+          </a:fillRef>
+          <a:effectRef idx="0">
+            <a:schemeClr val="accent1"/>
+          </a:effectRef>
+          <a:fontRef idx="minor">
+            <a:schemeClr val="lt1"/>
+          </a:fontRef>
+        </p:style>
+        <p:txBody>
+          <a:bodyPr rtlCol="0" anchor="ctr"/>
+          <a:p>
+            <a:pPr algn="ctr"/>
+            <a:endParaRPr lang="zh-CN" altLang="en-US"/>
+          </a:p>
+        </p:txBody>
+      </p:sp>
+      <p:sp>
+        <p:nvSpPr>
+          <p:cNvPr id="50" name="矩形 49"/>
+          <p:cNvSpPr/>
+          <p:nvPr/>
+        </p:nvSpPr>
+        <p:spPr>
+          <a:xfrm>
+            <a:off x="4485640" y="5654040"/>
+            <a:ext cx="1379220" cy="400685"/>
+          </a:xfrm>
+          <a:prstGeom prst="rect">
+            <a:avLst/>
+          </a:prstGeom>
+        </p:spPr>
+        <p:style>
+          <a:lnRef idx="2">
+            <a:schemeClr val="accent1">
+              <a:shade val="50000"/>
+            </a:schemeClr>
+          </a:lnRef>
+          <a:fillRef idx="1">
+            <a:schemeClr val="accent1"/>
+          </a:fillRef>
+          <a:effectRef idx="0">
+            <a:schemeClr val="accent1"/>
+          </a:effectRef>
+          <a:fontRef idx="minor">
+            <a:schemeClr val="lt1"/>
+          </a:fontRef>
+        </p:style>
+        <p:txBody>
+          <a:bodyPr rtlCol="0" anchor="ctr"/>
+          <a:p>
+            <a:pPr algn="ctr"/>
+            <a:endParaRPr lang="zh-CN" altLang="en-US"/>
+          </a:p>
+        </p:txBody>
+      </p:sp>
+      <p:sp>
+        <p:nvSpPr>
+          <p:cNvPr id="51" name="矩形 50"/>
+          <p:cNvSpPr/>
+          <p:nvPr/>
+        </p:nvSpPr>
+        <p:spPr>
+          <a:xfrm>
+            <a:off x="7779385" y="4250055"/>
+            <a:ext cx="1195070" cy="304800"/>
+          </a:xfrm>
+          <a:prstGeom prst="rect">
+            <a:avLst/>
+          </a:prstGeom>
+        </p:spPr>
+        <p:style>
+          <a:lnRef idx="2">
+            <a:schemeClr val="accent1">
+              <a:shade val="50000"/>
+            </a:schemeClr>
+          </a:lnRef>
+          <a:fillRef idx="1">
+            <a:schemeClr val="accent1"/>
+          </a:fillRef>
+          <a:effectRef idx="0">
+            <a:schemeClr val="accent1"/>
+          </a:effectRef>
+          <a:fontRef idx="minor">
+            <a:schemeClr val="lt1"/>
+          </a:fontRef>
+        </p:style>
+        <p:txBody>
+          <a:bodyPr rtlCol="0" anchor="ctr"/>
+          <a:p>
+            <a:pPr algn="ctr"/>
+            <a:endParaRPr lang="zh-CN" altLang="en-US"/>
+          </a:p>
+        </p:txBody>
+      </p:sp>
+      <p:sp>
+        <p:nvSpPr>
+          <p:cNvPr id="52" name="矩形 51"/>
+          <p:cNvSpPr/>
+          <p:nvPr/>
+        </p:nvSpPr>
+        <p:spPr>
+          <a:xfrm>
+            <a:off x="6208395" y="5654040"/>
+            <a:ext cx="1276985" cy="400685"/>
+          </a:xfrm>
+          <a:prstGeom prst="rect">
+            <a:avLst/>
+          </a:prstGeom>
+        </p:spPr>
+        <p:style>
+          <a:lnRef idx="2">
+            <a:schemeClr val="accent1">
+              <a:shade val="50000"/>
+            </a:schemeClr>
+          </a:lnRef>
+          <a:fillRef idx="1">
+            <a:schemeClr val="accent1"/>
+          </a:fillRef>
+          <a:effectRef idx="0">
+            <a:schemeClr val="accent1"/>
+          </a:effectRef>
+          <a:fontRef idx="minor">
+            <a:schemeClr val="lt1"/>
+          </a:fontRef>
+        </p:style>
+        <p:txBody>
+          <a:bodyPr rtlCol="0" anchor="ctr"/>
+          <a:p>
+            <a:pPr algn="ctr"/>
+            <a:endParaRPr lang="zh-CN" altLang="en-US"/>
+          </a:p>
+        </p:txBody>
+      </p:sp>
+      <p:sp>
+        <p:nvSpPr>
+          <p:cNvPr id="53" name="菱形 52"/>
+          <p:cNvSpPr/>
+          <p:nvPr/>
+        </p:nvSpPr>
+        <p:spPr>
+          <a:xfrm>
+            <a:off x="6044565" y="3595370"/>
+            <a:ext cx="1601470" cy="730885"/>
+          </a:xfrm>
+          <a:prstGeom prst="diamond">
+            <a:avLst/>
+          </a:prstGeom>
+        </p:spPr>
+        <p:style>
+          <a:lnRef idx="2">
+            <a:schemeClr val="accent1">
+              <a:shade val="50000"/>
+            </a:schemeClr>
+          </a:lnRef>
+          <a:fillRef idx="1">
+            <a:schemeClr val="accent1"/>
+          </a:fillRef>
+          <a:effectRef idx="0">
+            <a:schemeClr val="accent1"/>
+          </a:effectRef>
+          <a:fontRef idx="minor">
+            <a:schemeClr val="lt1"/>
+          </a:fontRef>
+        </p:style>
+        <p:txBody>
+          <a:bodyPr rtlCol="0" anchor="ctr"/>
+          <a:p>
+            <a:pPr algn="ctr"/>
+            <a:endParaRPr lang="zh-CN" altLang="en-US"/>
+          </a:p>
+        </p:txBody>
+      </p:sp>
+      <p:sp>
+        <p:nvSpPr>
+          <p:cNvPr id="54" name="菱形 53"/>
+          <p:cNvSpPr/>
+          <p:nvPr/>
+        </p:nvSpPr>
+        <p:spPr>
+          <a:xfrm>
+            <a:off x="5662295" y="4658360"/>
+            <a:ext cx="2366010" cy="627380"/>
+          </a:xfrm>
+          <a:prstGeom prst="diamond">
+            <a:avLst/>
+          </a:prstGeom>
+        </p:spPr>
+        <p:style>
+          <a:lnRef idx="2">
+            <a:schemeClr val="accent1">
+              <a:shade val="50000"/>
+            </a:schemeClr>
+          </a:lnRef>
+          <a:fillRef idx="1">
+            <a:schemeClr val="accent1"/>
+          </a:fillRef>
+          <a:effectRef idx="0">
+            <a:schemeClr val="accent1"/>
+          </a:effectRef>
+          <a:fontRef idx="minor">
+            <a:schemeClr val="lt1"/>
+          </a:fontRef>
+        </p:style>
+        <p:txBody>
+          <a:bodyPr rtlCol="0" anchor="ctr"/>
+          <a:p>
+            <a:pPr algn="ctr"/>
+            <a:endParaRPr lang="zh-CN" altLang="en-US"/>
+          </a:p>
+        </p:txBody>
+      </p:sp>
+      <p:sp>
+        <p:nvSpPr>
+          <p:cNvPr id="55" name="菱形 54"/>
+          <p:cNvSpPr/>
+          <p:nvPr/>
+        </p:nvSpPr>
+        <p:spPr>
+          <a:xfrm>
+            <a:off x="5967730" y="1924685"/>
+            <a:ext cx="1757045" cy="697230"/>
+          </a:xfrm>
+          <a:prstGeom prst="diamond">
+            <a:avLst/>
+          </a:prstGeom>
+        </p:spPr>
+        <p:style>
+          <a:lnRef idx="2">
+            <a:schemeClr val="accent1">
+              <a:shade val="50000"/>
+            </a:schemeClr>
+          </a:lnRef>
+          <a:fillRef idx="1">
+            <a:schemeClr val="accent1"/>
+          </a:fillRef>
+          <a:effectRef idx="0">
+            <a:schemeClr val="accent1"/>
+          </a:effectRef>
+          <a:fontRef idx="minor">
+            <a:schemeClr val="lt1"/>
+          </a:fontRef>
+        </p:style>
+        <p:txBody>
+          <a:bodyPr rtlCol="0" anchor="ctr"/>
+          <a:p>
+            <a:pPr algn="ctr"/>
+            <a:endParaRPr lang="zh-CN" altLang="en-US"/>
+          </a:p>
+        </p:txBody>
+      </p:sp>
+      <p:sp>
+        <p:nvSpPr>
+          <p:cNvPr id="56" name="文本框 55"/>
+          <p:cNvSpPr txBox="1"/>
+          <p:nvPr/>
+        </p:nvSpPr>
+        <p:spPr>
+          <a:xfrm>
+            <a:off x="6553200" y="632460"/>
+            <a:ext cx="673100" cy="304800"/>
+          </a:xfrm>
+          <a:prstGeom prst="rect">
+            <a:avLst/>
+          </a:prstGeom>
+          <a:noFill/>
+        </p:spPr>
+        <p:txBody>
+          <a:bodyPr wrap="square" rtlCol="0">
+            <a:spAutoFit/>
+          </a:bodyPr>
+          <a:p>
+            <a:r>
+              <a:rPr lang="zh-CN" altLang="en-US" sz="1400">
+                <a:solidFill>
+                  <a:schemeClr val="bg1"/>
+                </a:solidFill>
+              </a:rPr>
+              <a:t>开始</a:t>
+            </a:r>
+            <a:endParaRPr lang="zh-CN" altLang="en-US" sz="1400">
+              <a:solidFill>
+                <a:schemeClr val="bg1"/>
+              </a:solidFill>
+            </a:endParaRPr>
+          </a:p>
+        </p:txBody>
+      </p:sp>
+      <p:sp>
+        <p:nvSpPr>
+          <p:cNvPr id="64" name="文本框 63"/>
+          <p:cNvSpPr txBox="1"/>
+          <p:nvPr/>
+        </p:nvSpPr>
+        <p:spPr>
+          <a:xfrm>
+            <a:off x="6577330" y="6342380"/>
+            <a:ext cx="538480" cy="304800"/>
+          </a:xfrm>
+          <a:prstGeom prst="rect">
+            <a:avLst/>
+          </a:prstGeom>
+          <a:noFill/>
+        </p:spPr>
+        <p:txBody>
+          <a:bodyPr wrap="none" rtlCol="0">
+            <a:spAutoFit/>
+          </a:bodyPr>
+          <a:p>
+            <a:r>
+              <a:rPr lang="zh-CN" altLang="en-US" sz="1400">
+                <a:solidFill>
+                  <a:schemeClr val="bg1"/>
+                </a:solidFill>
+              </a:rPr>
+              <a:t>结束</a:t>
+            </a:r>
+            <a:endParaRPr lang="zh-CN" altLang="en-US" sz="1400">
+              <a:solidFill>
+                <a:schemeClr val="bg1"/>
+              </a:solidFill>
+            </a:endParaRPr>
+          </a:p>
+        </p:txBody>
+      </p:sp>
+      <p:sp>
+        <p:nvSpPr>
+          <p:cNvPr id="67" name="文本框 66"/>
+          <p:cNvSpPr txBox="1"/>
+          <p:nvPr/>
+        </p:nvSpPr>
+        <p:spPr>
+          <a:xfrm>
+            <a:off x="6109970" y="4818380"/>
+            <a:ext cx="1470660" cy="306705"/>
+          </a:xfrm>
+          <a:prstGeom prst="rect">
+            <a:avLst/>
+          </a:prstGeom>
+          <a:noFill/>
+        </p:spPr>
+        <p:txBody>
+          <a:bodyPr wrap="square" rtlCol="0">
+            <a:spAutoFit/>
+          </a:bodyPr>
+          <a:p>
+            <a:r>
+              <a:rPr lang="zh-CN" altLang="en-US" sz="1400">
+                <a:solidFill>
+                  <a:schemeClr val="bg1"/>
+                </a:solidFill>
+              </a:rPr>
+              <a:t>数量是否大于</a:t>
+            </a:r>
+            <a:r>
+              <a:rPr lang="en-US" altLang="zh-CN" sz="1400">
+                <a:solidFill>
+                  <a:schemeClr val="bg1"/>
+                </a:solidFill>
+              </a:rPr>
+              <a:t>1</a:t>
+            </a:r>
+            <a:endParaRPr lang="en-US" altLang="zh-CN" sz="1400">
+              <a:solidFill>
+                <a:schemeClr val="bg1"/>
+              </a:solidFill>
+            </a:endParaRPr>
+          </a:p>
+        </p:txBody>
+      </p:sp>
+      <p:sp>
+        <p:nvSpPr>
+          <p:cNvPr id="68" name="文本框 67"/>
+          <p:cNvSpPr txBox="1"/>
+          <p:nvPr/>
+        </p:nvSpPr>
+        <p:spPr>
+          <a:xfrm>
+            <a:off x="6410960" y="3808095"/>
+            <a:ext cx="977900" cy="304800"/>
+          </a:xfrm>
+          <a:prstGeom prst="rect">
+            <a:avLst/>
+          </a:prstGeom>
+          <a:noFill/>
+        </p:spPr>
+        <p:txBody>
+          <a:bodyPr wrap="square" rtlCol="0">
+            <a:spAutoFit/>
+          </a:bodyPr>
+          <a:p>
+            <a:r>
+              <a:rPr lang="zh-CN" altLang="en-US" sz="1400">
+                <a:solidFill>
+                  <a:schemeClr val="bg1"/>
+                </a:solidFill>
+              </a:rPr>
+              <a:t>是否存在</a:t>
+            </a:r>
+            <a:endParaRPr lang="zh-CN" altLang="en-US" sz="1400">
+              <a:solidFill>
+                <a:schemeClr val="bg1"/>
+              </a:solidFill>
+            </a:endParaRPr>
+          </a:p>
+        </p:txBody>
+      </p:sp>
+      <p:sp>
+        <p:nvSpPr>
+          <p:cNvPr id="70" name="文本框 69"/>
+          <p:cNvSpPr txBox="1"/>
+          <p:nvPr/>
+        </p:nvSpPr>
+        <p:spPr>
+          <a:xfrm>
+            <a:off x="6357620" y="2120900"/>
+            <a:ext cx="977900" cy="304800"/>
+          </a:xfrm>
+          <a:prstGeom prst="rect">
+            <a:avLst/>
+          </a:prstGeom>
+          <a:noFill/>
+        </p:spPr>
+        <p:txBody>
+          <a:bodyPr wrap="square" rtlCol="0">
+            <a:spAutoFit/>
+          </a:bodyPr>
+          <a:p>
+            <a:r>
+              <a:rPr lang="zh-CN" altLang="en-US" sz="1400">
+                <a:solidFill>
+                  <a:schemeClr val="bg1"/>
+                </a:solidFill>
+              </a:rPr>
+              <a:t>是否成功</a:t>
+            </a:r>
+            <a:endParaRPr lang="zh-CN" altLang="en-US" sz="1400">
+              <a:solidFill>
+                <a:schemeClr val="bg1"/>
+              </a:solidFill>
+            </a:endParaRPr>
+          </a:p>
+        </p:txBody>
+      </p:sp>
+      <p:sp>
+        <p:nvSpPr>
+          <p:cNvPr id="71" name="文本框 70"/>
+          <p:cNvSpPr txBox="1"/>
+          <p:nvPr/>
+        </p:nvSpPr>
+        <p:spPr>
+          <a:xfrm>
+            <a:off x="7853680" y="4250055"/>
+            <a:ext cx="1145540" cy="304800"/>
+          </a:xfrm>
+          <a:prstGeom prst="rect">
+            <a:avLst/>
+          </a:prstGeom>
+          <a:noFill/>
+        </p:spPr>
+        <p:txBody>
+          <a:bodyPr wrap="square" rtlCol="0">
+            <a:spAutoFit/>
+          </a:bodyPr>
+          <a:p>
+            <a:r>
+              <a:rPr lang="zh-CN" altLang="en-US" sz="1400">
+                <a:solidFill>
+                  <a:schemeClr val="bg1"/>
+                </a:solidFill>
+              </a:rPr>
+              <a:t>药品不消失</a:t>
+            </a:r>
+            <a:endParaRPr lang="zh-CN" altLang="en-US" sz="1400">
+              <a:solidFill>
+                <a:schemeClr val="bg1"/>
+              </a:solidFill>
+            </a:endParaRPr>
+          </a:p>
+        </p:txBody>
+      </p:sp>
+      <p:sp>
+        <p:nvSpPr>
+          <p:cNvPr id="76" name="文本框 75"/>
+          <p:cNvSpPr txBox="1"/>
+          <p:nvPr/>
+        </p:nvSpPr>
+        <p:spPr>
+          <a:xfrm>
+            <a:off x="6410960" y="5701665"/>
+            <a:ext cx="977900" cy="304800"/>
+          </a:xfrm>
+          <a:prstGeom prst="rect">
+            <a:avLst/>
+          </a:prstGeom>
+          <a:noFill/>
+        </p:spPr>
+        <p:txBody>
+          <a:bodyPr wrap="square" rtlCol="0">
+            <a:spAutoFit/>
+          </a:bodyPr>
+          <a:p>
+            <a:r>
+              <a:rPr lang="zh-CN" altLang="en-US" sz="1400">
+                <a:solidFill>
+                  <a:schemeClr val="bg1"/>
+                </a:solidFill>
+              </a:rPr>
+              <a:t>药品消失</a:t>
+            </a:r>
+            <a:endParaRPr lang="zh-CN" altLang="en-US" sz="1400">
+              <a:solidFill>
+                <a:schemeClr val="bg1"/>
+              </a:solidFill>
+            </a:endParaRPr>
+          </a:p>
+        </p:txBody>
+      </p:sp>
+      <p:sp>
+        <p:nvSpPr>
+          <p:cNvPr id="77" name="文本框 76"/>
+          <p:cNvSpPr txBox="1"/>
+          <p:nvPr/>
+        </p:nvSpPr>
+        <p:spPr>
+          <a:xfrm>
+            <a:off x="4587875" y="5748020"/>
+            <a:ext cx="1379855" cy="306705"/>
+          </a:xfrm>
+          <a:prstGeom prst="rect">
+            <a:avLst/>
+          </a:prstGeom>
+          <a:noFill/>
+        </p:spPr>
+        <p:txBody>
+          <a:bodyPr wrap="square" rtlCol="0">
+            <a:spAutoFit/>
+          </a:bodyPr>
+          <a:p>
+            <a:r>
+              <a:rPr lang="zh-CN" altLang="en-US" sz="1400">
+                <a:solidFill>
+                  <a:schemeClr val="bg1"/>
+                </a:solidFill>
+              </a:rPr>
+              <a:t>药品数量减</a:t>
+            </a:r>
+            <a:r>
+              <a:rPr lang="en-US" altLang="zh-CN" sz="1400">
+                <a:solidFill>
+                  <a:schemeClr val="bg1"/>
+                </a:solidFill>
+              </a:rPr>
+              <a:t>1</a:t>
+            </a:r>
+            <a:endParaRPr lang="en-US" altLang="zh-CN" sz="1400">
+              <a:solidFill>
+                <a:schemeClr val="bg1"/>
+              </a:solidFill>
+            </a:endParaRPr>
+          </a:p>
+        </p:txBody>
+      </p:sp>
+      <p:sp>
+        <p:nvSpPr>
+          <p:cNvPr id="78" name="文本框 77"/>
+          <p:cNvSpPr txBox="1"/>
+          <p:nvPr/>
+        </p:nvSpPr>
+        <p:spPr>
+          <a:xfrm>
+            <a:off x="5662295" y="2924175"/>
+            <a:ext cx="2955925" cy="304800"/>
+          </a:xfrm>
+          <a:prstGeom prst="rect">
+            <a:avLst/>
+          </a:prstGeom>
+          <a:noFill/>
+        </p:spPr>
+        <p:txBody>
+          <a:bodyPr wrap="square" rtlCol="0">
+            <a:spAutoFit/>
+          </a:bodyPr>
+          <a:p>
+            <a:r>
+              <a:rPr lang="zh-CN" altLang="en-US" sz="1400">
+                <a:solidFill>
+                  <a:schemeClr val="bg1"/>
+                </a:solidFill>
+              </a:rPr>
+              <a:t>将药品条形码与药单里药品对比</a:t>
+            </a:r>
+            <a:endParaRPr lang="zh-CN" altLang="en-US" sz="1400">
+              <a:solidFill>
+                <a:schemeClr val="bg1"/>
+              </a:solidFill>
+            </a:endParaRPr>
+          </a:p>
+        </p:txBody>
+      </p:sp>
+      <p:sp>
+        <p:nvSpPr>
+          <p:cNvPr id="79" name="文本框 78"/>
+          <p:cNvSpPr txBox="1"/>
+          <p:nvPr/>
+        </p:nvSpPr>
+        <p:spPr>
+          <a:xfrm>
+            <a:off x="6356350" y="1203325"/>
+            <a:ext cx="977900" cy="304800"/>
+          </a:xfrm>
+          <a:prstGeom prst="rect">
+            <a:avLst/>
+          </a:prstGeom>
+          <a:noFill/>
+        </p:spPr>
+        <p:txBody>
+          <a:bodyPr wrap="square" rtlCol="0">
+            <a:spAutoFit/>
+          </a:bodyPr>
+          <a:p>
+            <a:r>
+              <a:rPr lang="zh-CN" altLang="en-US" sz="1400">
+                <a:solidFill>
+                  <a:schemeClr val="bg1"/>
+                </a:solidFill>
+              </a:rPr>
+              <a:t>扫描药品</a:t>
+            </a:r>
+            <a:endParaRPr lang="zh-CN" altLang="en-US" sz="1400">
+              <a:solidFill>
+                <a:schemeClr val="bg1"/>
+              </a:solidFill>
+            </a:endParaRPr>
+          </a:p>
+        </p:txBody>
+      </p:sp>
+      <p:cxnSp>
+        <p:nvCxnSpPr>
+          <p:cNvPr id="81" name="直接连接符 80"/>
+          <p:cNvCxnSpPr>
+            <a:endCxn id="71" idx="2"/>
+          </p:cNvCxnSpPr>
+          <p:nvPr/>
+        </p:nvCxnSpPr>
+        <p:spPr>
+          <a:xfrm flipH="1" flipV="1">
+            <a:off x="8426450" y="4554855"/>
+            <a:ext cx="6350" cy="1270635"/>
+          </a:xfrm>
+          <a:prstGeom prst="line">
+            <a:avLst/>
+          </a:prstGeom>
+        </p:spPr>
+        <p:style>
+          <a:lnRef idx="1">
+            <a:schemeClr val="accent1"/>
+          </a:lnRef>
+          <a:fillRef idx="0">
+            <a:schemeClr val="accent1"/>
+          </a:fillRef>
+          <a:effectRef idx="0">
+            <a:schemeClr val="accent1"/>
+          </a:effectRef>
+          <a:fontRef idx="minor">
+            <a:schemeClr val="tx1"/>
+          </a:fontRef>
+        </p:style>
+      </p:cxnSp>
+      <p:cxnSp>
+        <p:nvCxnSpPr>
+          <p:cNvPr id="84" name="直接连接符 83"/>
+          <p:cNvCxnSpPr/>
+          <p:nvPr/>
+        </p:nvCxnSpPr>
+        <p:spPr>
+          <a:xfrm flipV="1">
+            <a:off x="4139565" y="1351280"/>
+            <a:ext cx="27940" cy="4530090"/>
+          </a:xfrm>
+          <a:prstGeom prst="line">
+            <a:avLst/>
+          </a:prstGeom>
+        </p:spPr>
+        <p:style>
+          <a:lnRef idx="1">
+            <a:schemeClr val="accent1"/>
+          </a:lnRef>
+          <a:fillRef idx="0">
+            <a:schemeClr val="accent1"/>
+          </a:fillRef>
+          <a:effectRef idx="0">
+            <a:schemeClr val="accent1"/>
+          </a:effectRef>
+          <a:fontRef idx="minor">
+            <a:schemeClr val="tx1"/>
+          </a:fontRef>
+        </p:style>
+      </p:cxnSp>
+      <p:cxnSp>
+        <p:nvCxnSpPr>
+          <p:cNvPr id="85" name="直接连接符 84"/>
+          <p:cNvCxnSpPr>
+            <a:stCxn id="50" idx="1"/>
+          </p:cNvCxnSpPr>
+          <p:nvPr/>
+        </p:nvCxnSpPr>
+        <p:spPr>
+          <a:xfrm flipH="1" flipV="1">
+            <a:off x="4139565" y="5853430"/>
+            <a:ext cx="346075" cy="1270"/>
+          </a:xfrm>
+          <a:prstGeom prst="line">
+            <a:avLst/>
+          </a:prstGeom>
+        </p:spPr>
+        <p:style>
+          <a:lnRef idx="1">
+            <a:schemeClr val="accent1"/>
+          </a:lnRef>
+          <a:fillRef idx="0">
+            <a:schemeClr val="accent1"/>
+          </a:fillRef>
+          <a:effectRef idx="0">
+            <a:schemeClr val="accent1"/>
+          </a:effectRef>
+          <a:fontRef idx="minor">
+            <a:schemeClr val="tx1"/>
+          </a:fontRef>
+        </p:style>
+      </p:cxnSp>
+      <p:cxnSp>
+        <p:nvCxnSpPr>
+          <p:cNvPr id="86" name="直接连接符 85"/>
+          <p:cNvCxnSpPr>
+            <a:endCxn id="54" idx="1"/>
+          </p:cNvCxnSpPr>
+          <p:nvPr/>
+        </p:nvCxnSpPr>
+        <p:spPr>
+          <a:xfrm flipV="1">
+            <a:off x="5184775" y="4972050"/>
+            <a:ext cx="477520" cy="3175"/>
+          </a:xfrm>
+          <a:prstGeom prst="line">
+            <a:avLst/>
+          </a:prstGeom>
+        </p:spPr>
+        <p:style>
+          <a:lnRef idx="1">
+            <a:schemeClr val="accent1"/>
+          </a:lnRef>
+          <a:fillRef idx="0">
+            <a:schemeClr val="accent1"/>
+          </a:fillRef>
+          <a:effectRef idx="0">
+            <a:schemeClr val="accent1"/>
+          </a:effectRef>
+          <a:fontRef idx="minor">
+            <a:schemeClr val="tx1"/>
+          </a:fontRef>
+        </p:style>
+      </p:cxnSp>
+      <p:cxnSp>
+        <p:nvCxnSpPr>
+          <p:cNvPr id="87" name="直接连接符 86"/>
+          <p:cNvCxnSpPr>
+            <a:endCxn id="53" idx="3"/>
+          </p:cNvCxnSpPr>
+          <p:nvPr/>
+        </p:nvCxnSpPr>
+        <p:spPr>
+          <a:xfrm flipH="1">
+            <a:off x="7646035" y="3957955"/>
+            <a:ext cx="800735" cy="3175"/>
+          </a:xfrm>
+          <a:prstGeom prst="line">
+            <a:avLst/>
+          </a:prstGeom>
+        </p:spPr>
+        <p:style>
+          <a:lnRef idx="1">
+            <a:schemeClr val="accent1"/>
+          </a:lnRef>
+          <a:fillRef idx="0">
+            <a:schemeClr val="accent1"/>
+          </a:fillRef>
+          <a:effectRef idx="0">
+            <a:schemeClr val="accent1"/>
+          </a:effectRef>
+          <a:fontRef idx="minor">
+            <a:schemeClr val="tx1"/>
+          </a:fontRef>
+        </p:style>
+      </p:cxnSp>
+      <p:cxnSp>
+        <p:nvCxnSpPr>
+          <p:cNvPr id="88" name="直接连接符 87"/>
+          <p:cNvCxnSpPr/>
+          <p:nvPr/>
+        </p:nvCxnSpPr>
+        <p:spPr>
+          <a:xfrm flipV="1">
+            <a:off x="8376920" y="1309370"/>
+            <a:ext cx="0" cy="962025"/>
+          </a:xfrm>
+          <a:prstGeom prst="line">
+            <a:avLst/>
+          </a:prstGeom>
+        </p:spPr>
+        <p:style>
+          <a:lnRef idx="1">
+            <a:schemeClr val="accent1"/>
+          </a:lnRef>
+          <a:fillRef idx="0">
+            <a:schemeClr val="accent1"/>
+          </a:fillRef>
+          <a:effectRef idx="0">
+            <a:schemeClr val="accent1"/>
+          </a:effectRef>
+          <a:fontRef idx="minor">
+            <a:schemeClr val="tx1"/>
+          </a:fontRef>
+        </p:style>
+      </p:cxnSp>
+      <p:cxnSp>
+        <p:nvCxnSpPr>
+          <p:cNvPr id="89" name="直接连接符 88"/>
+          <p:cNvCxnSpPr>
+            <a:endCxn id="55" idx="3"/>
+          </p:cNvCxnSpPr>
+          <p:nvPr/>
+        </p:nvCxnSpPr>
+        <p:spPr>
+          <a:xfrm flipH="1">
+            <a:off x="7724775" y="2271395"/>
+            <a:ext cx="652145" cy="1905"/>
+          </a:xfrm>
+          <a:prstGeom prst="line">
+            <a:avLst/>
+          </a:prstGeom>
+        </p:spPr>
+        <p:style>
+          <a:lnRef idx="1">
+            <a:schemeClr val="accent1"/>
+          </a:lnRef>
+          <a:fillRef idx="0">
+            <a:schemeClr val="accent1"/>
+          </a:fillRef>
+          <a:effectRef idx="0">
+            <a:schemeClr val="accent1"/>
+          </a:effectRef>
+          <a:fontRef idx="minor">
+            <a:schemeClr val="tx1"/>
+          </a:fontRef>
+        </p:style>
+      </p:cxnSp>
+      <p:cxnSp>
+        <p:nvCxnSpPr>
+          <p:cNvPr id="90" name="直接箭头连接符 89"/>
+          <p:cNvCxnSpPr>
+            <a:endCxn id="48" idx="1"/>
+          </p:cNvCxnSpPr>
+          <p:nvPr/>
+        </p:nvCxnSpPr>
+        <p:spPr>
+          <a:xfrm flipV="1">
+            <a:off x="4153535" y="1356360"/>
+            <a:ext cx="1958340" cy="8890"/>
+          </a:xfrm>
+          <a:prstGeom prst="straightConnector1">
+            <a:avLst/>
+          </a:prstGeom>
+          <a:ln>
+            <a:tailEnd type="arrow"/>
+          </a:ln>
+        </p:spPr>
+        <p:style>
+          <a:lnRef idx="1">
+            <a:schemeClr val="accent1"/>
+          </a:lnRef>
+          <a:fillRef idx="0">
+            <a:schemeClr val="accent1"/>
+          </a:fillRef>
+          <a:effectRef idx="0">
+            <a:schemeClr val="accent1"/>
+          </a:effectRef>
+          <a:fontRef idx="minor">
+            <a:schemeClr val="tx1"/>
+          </a:fontRef>
+        </p:style>
+      </p:cxnSp>
+      <p:cxnSp>
+        <p:nvCxnSpPr>
+          <p:cNvPr id="91" name="直接箭头连接符 90"/>
+          <p:cNvCxnSpPr>
+            <a:stCxn id="55" idx="2"/>
+          </p:cNvCxnSpPr>
+          <p:nvPr/>
+        </p:nvCxnSpPr>
+        <p:spPr>
+          <a:xfrm>
+            <a:off x="6846570" y="2621915"/>
+            <a:ext cx="10795" cy="165100"/>
+          </a:xfrm>
+          <a:prstGeom prst="straightConnector1">
+            <a:avLst/>
+          </a:prstGeom>
+          <a:ln>
+            <a:tailEnd type="arrow"/>
+          </a:ln>
+        </p:spPr>
+        <p:style>
+          <a:lnRef idx="1">
+            <a:schemeClr val="accent1"/>
+          </a:lnRef>
+          <a:fillRef idx="0">
+            <a:schemeClr val="accent1"/>
+          </a:fillRef>
+          <a:effectRef idx="0">
+            <a:schemeClr val="accent1"/>
+          </a:effectRef>
+          <a:fontRef idx="minor">
+            <a:schemeClr val="tx1"/>
+          </a:fontRef>
+        </p:style>
+      </p:cxnSp>
+      <p:cxnSp>
+        <p:nvCxnSpPr>
+          <p:cNvPr id="92" name="直接箭头连接符 91"/>
+          <p:cNvCxnSpPr>
+            <a:endCxn id="48" idx="3"/>
+          </p:cNvCxnSpPr>
+          <p:nvPr/>
+        </p:nvCxnSpPr>
+        <p:spPr>
+          <a:xfrm flipH="1">
+            <a:off x="7687945" y="1351280"/>
+            <a:ext cx="702945" cy="5080"/>
+          </a:xfrm>
+          <a:prstGeom prst="straightConnector1">
+            <a:avLst/>
+          </a:prstGeom>
+          <a:ln>
+            <a:tailEnd type="arrow"/>
+          </a:ln>
+        </p:spPr>
+        <p:style>
+          <a:lnRef idx="1">
+            <a:schemeClr val="accent1"/>
+          </a:lnRef>
+          <a:fillRef idx="0">
+            <a:schemeClr val="accent1"/>
+          </a:fillRef>
+          <a:effectRef idx="0">
+            <a:schemeClr val="accent1"/>
+          </a:effectRef>
+          <a:fontRef idx="minor">
+            <a:schemeClr val="tx1"/>
+          </a:fontRef>
+        </p:style>
+      </p:cxnSp>
+      <p:cxnSp>
+        <p:nvCxnSpPr>
+          <p:cNvPr id="93" name="直接箭头连接符 92"/>
+          <p:cNvCxnSpPr>
+            <a:endCxn id="71" idx="0"/>
+          </p:cNvCxnSpPr>
+          <p:nvPr/>
+        </p:nvCxnSpPr>
+        <p:spPr>
+          <a:xfrm>
+            <a:off x="8404860" y="3943985"/>
+            <a:ext cx="21590" cy="306070"/>
+          </a:xfrm>
+          <a:prstGeom prst="straightConnector1">
+            <a:avLst/>
+          </a:prstGeom>
+          <a:ln>
+            <a:tailEnd type="arrow"/>
+          </a:ln>
+        </p:spPr>
+        <p:style>
+          <a:lnRef idx="1">
+            <a:schemeClr val="accent1"/>
+          </a:lnRef>
+          <a:fillRef idx="0">
+            <a:schemeClr val="accent1"/>
+          </a:fillRef>
+          <a:effectRef idx="0">
+            <a:schemeClr val="accent1"/>
+          </a:effectRef>
+          <a:fontRef idx="minor">
+            <a:schemeClr val="tx1"/>
+          </a:fontRef>
+        </p:style>
+      </p:cxnSp>
+      <p:cxnSp>
+        <p:nvCxnSpPr>
+          <p:cNvPr id="94" name="直接箭头连接符 93"/>
+          <p:cNvCxnSpPr>
+            <a:endCxn id="52" idx="3"/>
+          </p:cNvCxnSpPr>
+          <p:nvPr/>
+        </p:nvCxnSpPr>
+        <p:spPr>
+          <a:xfrm flipH="1">
+            <a:off x="7485380" y="5811520"/>
+            <a:ext cx="961390" cy="43180"/>
+          </a:xfrm>
+          <a:prstGeom prst="straightConnector1">
+            <a:avLst/>
+          </a:prstGeom>
+          <a:ln>
+            <a:tailEnd type="arrow"/>
+          </a:ln>
+        </p:spPr>
+        <p:style>
+          <a:lnRef idx="1">
+            <a:schemeClr val="accent1"/>
+          </a:lnRef>
+          <a:fillRef idx="0">
+            <a:schemeClr val="accent1"/>
+          </a:fillRef>
+          <a:effectRef idx="0">
+            <a:schemeClr val="accent1"/>
+          </a:effectRef>
+          <a:fontRef idx="minor">
+            <a:schemeClr val="tx1"/>
+          </a:fontRef>
+        </p:style>
+      </p:cxnSp>
+      <p:cxnSp>
+        <p:nvCxnSpPr>
+          <p:cNvPr id="95" name="直接箭头连接符 94"/>
+          <p:cNvCxnSpPr>
+            <a:stCxn id="53" idx="2"/>
+            <a:endCxn id="54" idx="0"/>
+          </p:cNvCxnSpPr>
+          <p:nvPr/>
+        </p:nvCxnSpPr>
+        <p:spPr>
+          <a:xfrm>
+            <a:off x="6845300" y="4326255"/>
+            <a:ext cx="0" cy="332105"/>
+          </a:xfrm>
+          <a:prstGeom prst="straightConnector1">
+            <a:avLst/>
+          </a:prstGeom>
+          <a:ln>
+            <a:tailEnd type="arrow"/>
+          </a:ln>
+        </p:spPr>
+        <p:style>
+          <a:lnRef idx="1">
+            <a:schemeClr val="accent1"/>
+          </a:lnRef>
+          <a:fillRef idx="0">
+            <a:schemeClr val="accent1"/>
+          </a:fillRef>
+          <a:effectRef idx="0">
+            <a:schemeClr val="accent1"/>
+          </a:effectRef>
+          <a:fontRef idx="minor">
+            <a:schemeClr val="tx1"/>
+          </a:fontRef>
+        </p:style>
+      </p:cxnSp>
+      <p:cxnSp>
+        <p:nvCxnSpPr>
+          <p:cNvPr id="96" name="直接箭头连接符 95"/>
+          <p:cNvCxnSpPr>
+            <a:stCxn id="56" idx="2"/>
+          </p:cNvCxnSpPr>
+          <p:nvPr/>
+        </p:nvCxnSpPr>
+        <p:spPr>
+          <a:xfrm>
+            <a:off x="6889750" y="937260"/>
+            <a:ext cx="9525" cy="247015"/>
+          </a:xfrm>
+          <a:prstGeom prst="straightConnector1">
+            <a:avLst/>
+          </a:prstGeom>
+          <a:ln>
+            <a:tailEnd type="arrow"/>
+          </a:ln>
+        </p:spPr>
+        <p:style>
+          <a:lnRef idx="1">
+            <a:schemeClr val="accent1"/>
+          </a:lnRef>
+          <a:fillRef idx="0">
+            <a:schemeClr val="accent1"/>
+          </a:fillRef>
+          <a:effectRef idx="0">
+            <a:schemeClr val="accent1"/>
+          </a:effectRef>
+          <a:fontRef idx="minor">
+            <a:schemeClr val="tx1"/>
+          </a:fontRef>
+        </p:style>
+      </p:cxnSp>
+      <p:cxnSp>
+        <p:nvCxnSpPr>
+          <p:cNvPr id="97" name="直接箭头连接符 96"/>
+          <p:cNvCxnSpPr>
+            <a:stCxn id="79" idx="2"/>
+            <a:endCxn id="55" idx="0"/>
+          </p:cNvCxnSpPr>
+          <p:nvPr/>
+        </p:nvCxnSpPr>
+        <p:spPr>
+          <a:xfrm>
+            <a:off x="6845300" y="1508125"/>
+            <a:ext cx="1270" cy="416560"/>
+          </a:xfrm>
+          <a:prstGeom prst="straightConnector1">
+            <a:avLst/>
+          </a:prstGeom>
+          <a:ln>
+            <a:tailEnd type="arrow"/>
+          </a:ln>
+        </p:spPr>
+        <p:style>
+          <a:lnRef idx="1">
+            <a:schemeClr val="accent1"/>
+          </a:lnRef>
+          <a:fillRef idx="0">
+            <a:schemeClr val="accent1"/>
+          </a:fillRef>
+          <a:effectRef idx="0">
+            <a:schemeClr val="accent1"/>
+          </a:effectRef>
+          <a:fontRef idx="minor">
+            <a:schemeClr val="tx1"/>
+          </a:fontRef>
+        </p:style>
+      </p:cxnSp>
+      <p:cxnSp>
+        <p:nvCxnSpPr>
+          <p:cNvPr id="98" name="直接箭头连接符 97"/>
+          <p:cNvCxnSpPr>
+            <a:endCxn id="53" idx="0"/>
+          </p:cNvCxnSpPr>
+          <p:nvPr/>
+        </p:nvCxnSpPr>
+        <p:spPr>
+          <a:xfrm>
+            <a:off x="6829425" y="3316605"/>
+            <a:ext cx="15875" cy="278765"/>
+          </a:xfrm>
+          <a:prstGeom prst="straightConnector1">
+            <a:avLst/>
+          </a:prstGeom>
+          <a:ln>
+            <a:tailEnd type="arrow"/>
+          </a:ln>
+        </p:spPr>
+        <p:style>
+          <a:lnRef idx="1">
+            <a:schemeClr val="accent1"/>
+          </a:lnRef>
+          <a:fillRef idx="0">
+            <a:schemeClr val="accent1"/>
+          </a:fillRef>
+          <a:effectRef idx="0">
+            <a:schemeClr val="accent1"/>
+          </a:effectRef>
+          <a:fontRef idx="minor">
+            <a:schemeClr val="tx1"/>
+          </a:fontRef>
+        </p:style>
+      </p:cxnSp>
+      <p:cxnSp>
+        <p:nvCxnSpPr>
+          <p:cNvPr id="99" name="直接箭头连接符 98"/>
+          <p:cNvCxnSpPr>
+            <a:endCxn id="50" idx="0"/>
+          </p:cNvCxnSpPr>
+          <p:nvPr/>
+        </p:nvCxnSpPr>
+        <p:spPr>
+          <a:xfrm>
+            <a:off x="5170805" y="4989195"/>
+            <a:ext cx="4445" cy="664845"/>
+          </a:xfrm>
+          <a:prstGeom prst="straightConnector1">
+            <a:avLst/>
+          </a:prstGeom>
+          <a:ln>
+            <a:tailEnd type="arrow"/>
+          </a:ln>
+        </p:spPr>
+        <p:style>
+          <a:lnRef idx="1">
+            <a:schemeClr val="accent1"/>
+          </a:lnRef>
+          <a:fillRef idx="0">
+            <a:schemeClr val="accent1"/>
+          </a:fillRef>
+          <a:effectRef idx="0">
+            <a:schemeClr val="accent1"/>
+          </a:effectRef>
+          <a:fontRef idx="minor">
+            <a:schemeClr val="tx1"/>
+          </a:fontRef>
+        </p:style>
+      </p:cxnSp>
+      <p:cxnSp>
+        <p:nvCxnSpPr>
+          <p:cNvPr id="115" name="直接箭头连接符 114"/>
+          <p:cNvCxnSpPr>
+            <a:stCxn id="54" idx="2"/>
+            <a:endCxn id="52" idx="0"/>
+          </p:cNvCxnSpPr>
+          <p:nvPr/>
+        </p:nvCxnSpPr>
+        <p:spPr>
+          <a:xfrm>
+            <a:off x="6845300" y="5285740"/>
+            <a:ext cx="1905" cy="368300"/>
+          </a:xfrm>
+          <a:prstGeom prst="straightConnector1">
+            <a:avLst/>
+          </a:prstGeom>
+          <a:ln>
+            <a:tailEnd type="arrow"/>
+          </a:ln>
+        </p:spPr>
+        <p:style>
+          <a:lnRef idx="1">
+            <a:schemeClr val="accent1"/>
+          </a:lnRef>
+          <a:fillRef idx="0">
+            <a:schemeClr val="accent1"/>
+          </a:fillRef>
+          <a:effectRef idx="0">
+            <a:schemeClr val="accent1"/>
+          </a:effectRef>
+          <a:fontRef idx="minor">
+            <a:schemeClr val="tx1"/>
+          </a:fontRef>
+        </p:style>
+      </p:cxnSp>
+      <p:cxnSp>
+        <p:nvCxnSpPr>
+          <p:cNvPr id="116" name="直接箭头连接符 115"/>
+          <p:cNvCxnSpPr>
+            <a:endCxn id="64" idx="0"/>
+          </p:cNvCxnSpPr>
+          <p:nvPr/>
+        </p:nvCxnSpPr>
+        <p:spPr>
+          <a:xfrm>
+            <a:off x="6829425" y="6035040"/>
+            <a:ext cx="17145" cy="307340"/>
+          </a:xfrm>
+          <a:prstGeom prst="straightConnector1">
+            <a:avLst/>
+          </a:prstGeom>
+          <a:ln>
+            <a:tailEnd type="arrow"/>
+          </a:ln>
+        </p:spPr>
+        <p:style>
+          <a:lnRef idx="1">
+            <a:schemeClr val="accent1"/>
+          </a:lnRef>
+          <a:fillRef idx="0">
+            <a:schemeClr val="accent1"/>
+          </a:fillRef>
+          <a:effectRef idx="0">
+            <a:schemeClr val="accent1"/>
+          </a:effectRef>
+          <a:fontRef idx="minor">
+            <a:schemeClr val="tx1"/>
+          </a:fontRef>
+        </p:style>
+      </p:cxnSp>
+      <p:sp>
+        <p:nvSpPr>
+          <p:cNvPr id="119" name="文本框 118"/>
+          <p:cNvSpPr txBox="1"/>
+          <p:nvPr/>
+        </p:nvSpPr>
+        <p:spPr>
+          <a:xfrm>
+            <a:off x="6954520" y="5285740"/>
+            <a:ext cx="379730" cy="335280"/>
+          </a:xfrm>
+          <a:prstGeom prst="rect">
+            <a:avLst/>
+          </a:prstGeom>
+          <a:noFill/>
+        </p:spPr>
+        <p:txBody>
+          <a:bodyPr wrap="square" rtlCol="0">
+            <a:spAutoFit/>
+          </a:bodyPr>
+          <a:p>
+            <a:r>
+              <a:rPr lang="zh-CN" altLang="en-US" sz="1600">
+                <a:solidFill>
+                  <a:schemeClr val="tx1">
+                    <a:lumMod val="75000"/>
+                    <a:lumOff val="25000"/>
+                  </a:schemeClr>
+                </a:solidFill>
+              </a:rPr>
+              <a:t>否</a:t>
+            </a:r>
+            <a:endParaRPr lang="zh-CN" altLang="en-US" sz="1600">
+              <a:solidFill>
+                <a:schemeClr val="tx1">
+                  <a:lumMod val="75000"/>
+                  <a:lumOff val="25000"/>
+                </a:schemeClr>
+              </a:solidFill>
+            </a:endParaRPr>
+          </a:p>
+        </p:txBody>
+      </p:sp>
+      <p:sp>
+        <p:nvSpPr>
+          <p:cNvPr id="120" name="文本框 119"/>
+          <p:cNvSpPr txBox="1"/>
+          <p:nvPr/>
+        </p:nvSpPr>
+        <p:spPr>
+          <a:xfrm>
+            <a:off x="7846695" y="1880235"/>
+            <a:ext cx="386080" cy="335280"/>
+          </a:xfrm>
+          <a:prstGeom prst="rect">
+            <a:avLst/>
+          </a:prstGeom>
+          <a:noFill/>
+        </p:spPr>
+        <p:txBody>
+          <a:bodyPr wrap="none" rtlCol="0">
+            <a:spAutoFit/>
+          </a:bodyPr>
+          <a:p>
+            <a:r>
+              <a:rPr lang="zh-CN" altLang="en-US" sz="1600">
+                <a:solidFill>
+                  <a:schemeClr val="tx1">
+                    <a:lumMod val="75000"/>
+                    <a:lumOff val="25000"/>
+                  </a:schemeClr>
+                </a:solidFill>
+              </a:rPr>
+              <a:t>否</a:t>
+            </a:r>
+            <a:endParaRPr lang="zh-CN" altLang="en-US" sz="1600">
+              <a:solidFill>
+                <a:schemeClr val="tx1">
+                  <a:lumMod val="75000"/>
+                  <a:lumOff val="25000"/>
+                </a:schemeClr>
+              </a:solidFill>
+            </a:endParaRPr>
+          </a:p>
+        </p:txBody>
+      </p:sp>
+      <p:sp>
+        <p:nvSpPr>
+          <p:cNvPr id="121" name="文本框 120"/>
+          <p:cNvSpPr txBox="1"/>
+          <p:nvPr/>
+        </p:nvSpPr>
+        <p:spPr>
+          <a:xfrm>
+            <a:off x="7779385" y="3595370"/>
+            <a:ext cx="386080" cy="335280"/>
+          </a:xfrm>
+          <a:prstGeom prst="rect">
+            <a:avLst/>
+          </a:prstGeom>
+          <a:noFill/>
+        </p:spPr>
+        <p:txBody>
+          <a:bodyPr wrap="none" rtlCol="0">
+            <a:spAutoFit/>
+          </a:bodyPr>
+          <a:p>
+            <a:r>
+              <a:rPr lang="zh-CN" altLang="en-US" sz="1600">
+                <a:solidFill>
+                  <a:schemeClr val="tx1">
+                    <a:lumMod val="75000"/>
+                    <a:lumOff val="25000"/>
+                  </a:schemeClr>
+                </a:solidFill>
+              </a:rPr>
+              <a:t>否</a:t>
+            </a:r>
+            <a:endParaRPr lang="zh-CN" altLang="en-US" sz="1600">
+              <a:solidFill>
+                <a:schemeClr val="tx1">
+                  <a:lumMod val="75000"/>
+                  <a:lumOff val="25000"/>
+                </a:schemeClr>
+              </a:solidFill>
+            </a:endParaRPr>
+          </a:p>
+        </p:txBody>
+      </p:sp>
+      <p:sp>
+        <p:nvSpPr>
+          <p:cNvPr id="122" name="文本框 121"/>
+          <p:cNvSpPr txBox="1"/>
+          <p:nvPr/>
+        </p:nvSpPr>
+        <p:spPr>
+          <a:xfrm>
+            <a:off x="6899275" y="2536190"/>
+            <a:ext cx="386080" cy="335280"/>
+          </a:xfrm>
+          <a:prstGeom prst="rect">
+            <a:avLst/>
+          </a:prstGeom>
+          <a:noFill/>
+        </p:spPr>
+        <p:txBody>
+          <a:bodyPr wrap="square" rtlCol="0">
+            <a:spAutoFit/>
+          </a:bodyPr>
+          <a:p>
+            <a:r>
+              <a:rPr lang="zh-CN" altLang="en-US" sz="1600">
+                <a:solidFill>
+                  <a:schemeClr val="tx1">
+                    <a:lumMod val="75000"/>
+                    <a:lumOff val="25000"/>
+                  </a:schemeClr>
+                </a:solidFill>
+              </a:rPr>
+              <a:t>是</a:t>
+            </a:r>
+            <a:endParaRPr lang="zh-CN" altLang="en-US" sz="1600">
+              <a:solidFill>
+                <a:schemeClr val="tx1">
+                  <a:lumMod val="75000"/>
+                  <a:lumOff val="25000"/>
+                </a:schemeClr>
+              </a:solidFill>
+            </a:endParaRPr>
+          </a:p>
+        </p:txBody>
+      </p:sp>
+      <p:sp>
+        <p:nvSpPr>
+          <p:cNvPr id="123" name="文本框 122"/>
+          <p:cNvSpPr txBox="1"/>
+          <p:nvPr/>
+        </p:nvSpPr>
+        <p:spPr>
+          <a:xfrm>
+            <a:off x="6857365" y="4301490"/>
+            <a:ext cx="386080" cy="335280"/>
+          </a:xfrm>
+          <a:prstGeom prst="rect">
+            <a:avLst/>
+          </a:prstGeom>
+          <a:noFill/>
+        </p:spPr>
+        <p:txBody>
+          <a:bodyPr wrap="square" rtlCol="0">
+            <a:spAutoFit/>
+          </a:bodyPr>
+          <a:p>
+            <a:r>
+              <a:rPr lang="zh-CN" altLang="en-US" sz="1600">
+                <a:solidFill>
+                  <a:schemeClr val="tx1">
+                    <a:lumMod val="75000"/>
+                    <a:lumOff val="25000"/>
+                  </a:schemeClr>
+                </a:solidFill>
+              </a:rPr>
+              <a:t>是</a:t>
+            </a:r>
+            <a:endParaRPr lang="zh-CN" altLang="en-US" sz="1600">
+              <a:solidFill>
+                <a:schemeClr val="tx1">
+                  <a:lumMod val="75000"/>
+                  <a:lumOff val="25000"/>
+                </a:schemeClr>
+              </a:solidFill>
+            </a:endParaRPr>
+          </a:p>
+        </p:txBody>
+      </p:sp>
+      <p:sp>
+        <p:nvSpPr>
+          <p:cNvPr id="124" name="文本框 123"/>
+          <p:cNvSpPr txBox="1"/>
+          <p:nvPr/>
+        </p:nvSpPr>
+        <p:spPr>
+          <a:xfrm>
+            <a:off x="5230495" y="4636770"/>
+            <a:ext cx="386080" cy="335280"/>
+          </a:xfrm>
+          <a:prstGeom prst="rect">
+            <a:avLst/>
+          </a:prstGeom>
+          <a:noFill/>
+        </p:spPr>
+        <p:txBody>
+          <a:bodyPr wrap="square" rtlCol="0">
+            <a:spAutoFit/>
+          </a:bodyPr>
+          <a:p>
+            <a:r>
+              <a:rPr lang="zh-CN" altLang="en-US" sz="1600">
+                <a:solidFill>
+                  <a:schemeClr val="tx1">
+                    <a:lumMod val="75000"/>
+                    <a:lumOff val="25000"/>
+                  </a:schemeClr>
+                </a:solidFill>
+              </a:rPr>
+              <a:t>是</a:t>
+            </a:r>
+            <a:endParaRPr lang="zh-CN" altLang="en-US" sz="1600">
+              <a:solidFill>
+                <a:schemeClr val="tx1">
+                  <a:lumMod val="75000"/>
+                  <a:lumOff val="25000"/>
+                </a:schemeClr>
+              </a:solidFill>
             </a:endParaRPr>
           </a:p>
         </p:txBody>
@@ -13519,6 +16130,30 @@
           <a:chExt cx="0" cy="0"/>
         </a:xfrm>
       </p:grpSpPr>
+      <p:pic>
+        <p:nvPicPr>
+          <p:cNvPr id="3" name="图片 2"/>
+          <p:cNvPicPr>
+            <a:picLocks noChangeAspect="1"/>
+          </p:cNvPicPr>
+          <p:nvPr/>
+        </p:nvPicPr>
+        <p:blipFill>
+          <a:blip r:embed="rId1"/>
+          <a:stretch>
+            <a:fillRect/>
+          </a:stretch>
+        </p:blipFill>
+        <p:spPr>
+          <a:xfrm>
+            <a:off x="2005330" y="1909445"/>
+            <a:ext cx="6973570" cy="4787265"/>
+          </a:xfrm>
+          <a:prstGeom prst="rect">
+            <a:avLst/>
+          </a:prstGeom>
+        </p:spPr>
+      </p:pic>
       <p:sp>
         <p:nvSpPr>
           <p:cNvPr id="15" name="矩形 14"/>
@@ -17056,7 +19691,7 @@
         <p:spPr>
           <a:xfrm>
             <a:off x="4542620" y="3413361"/>
-            <a:ext cx="4292600" cy="938719"/>
+            <a:ext cx="4292600" cy="746125"/>
           </a:xfrm>
           <a:prstGeom prst="rect">
             <a:avLst/>
@@ -17069,38 +19704,7 @@
           <a:lstStyle/>
           <a:p>
             <a:pPr lvl="0" algn="just"/>
-            <a:r>
-              <a:rPr lang="en-US" altLang="zh-HK" sz="1100" dirty="0">
-                <a:solidFill>
-                  <a:srgbClr val="666666"/>
-                </a:solidFill>
-                <a:latin typeface="微软雅黑" pitchFamily="34" charset="-122"/>
-                <a:ea typeface="微软雅黑" pitchFamily="34" charset="-122"/>
-              </a:rPr>
-              <a:t>It was the best of times, it was the worst of times; it was the age of wisdom, it was the age of </a:t>
-            </a:r>
-            <a:r>
-              <a:rPr lang="en-US" altLang="zh-HK" sz="1100" dirty="0" smtClean="0">
-                <a:solidFill>
-                  <a:srgbClr val="666666"/>
-                </a:solidFill>
-                <a:latin typeface="微软雅黑" pitchFamily="34" charset="-122"/>
-                <a:ea typeface="微软雅黑" pitchFamily="34" charset="-122"/>
-              </a:rPr>
-              <a:t>foolishness.</a:t>
-            </a:r>
-            <a:r>
-              <a:rPr lang="zh-HK" altLang="zh-HK" sz="1100" dirty="0">
-                <a:solidFill>
-                  <a:srgbClr val="666666"/>
-                </a:solidFill>
-                <a:latin typeface="微软雅黑" pitchFamily="34" charset="-122"/>
-                <a:ea typeface="微软雅黑" pitchFamily="34" charset="-122"/>
-                <a:cs typeface="Arial" pitchFamily="34" charset="0"/>
-              </a:rPr>
-              <a:t> It was the epoch of belief, and it was the epoch of incredulity. It was the season of light, and it was the season of darkness. It was the spring of hope, and it was the winter of despair. </a:t>
-            </a:r>
-            <a:endParaRPr lang="zh-HK" altLang="zh-HK" sz="1100" dirty="0">
+            <a:endParaRPr lang="zh-CN" altLang="zh-HK" sz="1400" dirty="0">
               <a:solidFill>
                 <a:srgbClr val="666666"/>
               </a:solidFill>
@@ -17108,6 +19712,72 @@
               <a:ea typeface="微软雅黑" pitchFamily="34" charset="-122"/>
             </a:endParaRPr>
           </a:p>
+          <a:p>
+            <a:pPr lvl="0" algn="just"/>
+            <a:r>
+              <a:rPr lang="en-US" altLang="zh-CN" sz="1400" dirty="0">
+                <a:solidFill>
+                  <a:srgbClr val="666666"/>
+                </a:solidFill>
+                <a:latin typeface="微软雅黑" pitchFamily="34" charset="-122"/>
+                <a:ea typeface="微软雅黑" pitchFamily="34" charset="-122"/>
+                <a:sym typeface="+mn-ea"/>
+              </a:rPr>
+              <a:t>JAVA</a:t>
+            </a:r>
+            <a:r>
+              <a:rPr lang="zh-CN" altLang="en-US" sz="1400" dirty="0">
+                <a:solidFill>
+                  <a:srgbClr val="666666"/>
+                </a:solidFill>
+                <a:latin typeface="微软雅黑" pitchFamily="34" charset="-122"/>
+                <a:ea typeface="微软雅黑" pitchFamily="34" charset="-122"/>
+                <a:sym typeface="+mn-ea"/>
+              </a:rPr>
+              <a:t>、数据库等后端知识比较欠缺</a:t>
+            </a:r>
+            <a:r>
+              <a:rPr lang="zh-CN" altLang="zh-HK" sz="1400" dirty="0">
+                <a:solidFill>
+                  <a:srgbClr val="666666"/>
+                </a:solidFill>
+                <a:latin typeface="微软雅黑" pitchFamily="34" charset="-122"/>
+                <a:ea typeface="微软雅黑" pitchFamily="34" charset="-122"/>
+                <a:sym typeface="+mn-ea"/>
+              </a:rPr>
+              <a:t>；</a:t>
+            </a:r>
+            <a:endParaRPr lang="zh-CN" altLang="zh-HK" sz="1400" dirty="0">
+              <a:solidFill>
+                <a:srgbClr val="666666"/>
+              </a:solidFill>
+              <a:latin typeface="微软雅黑" pitchFamily="34" charset="-122"/>
+              <a:ea typeface="微软雅黑" pitchFamily="34" charset="-122"/>
+              <a:sym typeface="+mn-ea"/>
+            </a:endParaRPr>
+          </a:p>
+          <a:p>
+            <a:pPr lvl="0" algn="just"/>
+            <a:r>
+              <a:rPr lang="zh-CN" altLang="zh-HK" sz="1400" dirty="0">
+                <a:solidFill>
+                  <a:srgbClr val="666666"/>
+                </a:solidFill>
+                <a:latin typeface="微软雅黑" pitchFamily="34" charset="-122"/>
+                <a:ea typeface="微软雅黑" pitchFamily="34" charset="-122"/>
+                <a:sym typeface="+mn-ea"/>
+              </a:rPr>
+              <a:t>解决：向同学、同事请叫学习，完成后请求帮助修改。</a:t>
+            </a:r>
+            <a:endParaRPr lang="zh-CN" altLang="zh-HK" sz="1400" dirty="0">
+              <a:solidFill>
+                <a:srgbClr val="666666"/>
+              </a:solidFill>
+              <a:latin typeface="微软雅黑" pitchFamily="34" charset="-122"/>
+              <a:ea typeface="微软雅黑" pitchFamily="34" charset="-122"/>
+              <a:sym typeface="+mn-ea"/>
+            </a:endParaRPr>
+          </a:p>
         </p:txBody>
       </p:sp>
       <p:sp>
@@ -17118,8 +19788,8 @@
         </p:nvSpPr>
         <p:spPr>
           <a:xfrm>
-            <a:off x="4542620" y="3125831"/>
-            <a:ext cx="2171700" cy="384810"/>
+            <a:off x="4542620" y="3141706"/>
+            <a:ext cx="2171700" cy="417830"/>
           </a:xfrm>
           <a:prstGeom prst="rect">
             <a:avLst/>
@@ -17134,7 +19804,7 @@
           <a:p>
             <a:pPr algn="ctr"/>
             <a:r>
-              <a:rPr lang="zh-CN" altLang="zh-HK" b="1" dirty="0">
+              <a:rPr lang="zh-CN" altLang="zh-HK" sz="2000" b="1" dirty="0">
                 <a:solidFill>
                   <a:schemeClr val="accent2"/>
                 </a:solidFill>
@@ -17143,7 +19813,7 @@
               </a:rPr>
               <a:t>后端实现</a:t>
             </a:r>
-            <a:endParaRPr lang="zh-CN" altLang="zh-HK" b="1" dirty="0">
+            <a:endParaRPr lang="zh-CN" altLang="zh-HK" sz="2000" b="1" dirty="0">
               <a:solidFill>
                 <a:schemeClr val="accent2"/>
               </a:solidFill>
@@ -17162,7 +19832,7 @@
         <p:spPr>
           <a:xfrm>
             <a:off x="4542620" y="1735090"/>
-            <a:ext cx="4292600" cy="938719"/>
+            <a:ext cx="4292600" cy="1172845"/>
           </a:xfrm>
           <a:prstGeom prst="rect">
             <a:avLst/>
@@ -17175,38 +19845,55 @@
           <a:lstStyle/>
           <a:p>
             <a:pPr lvl="0" algn="just"/>
+            <a:endParaRPr lang="zh-CN" altLang="zh-HK" sz="1400" dirty="0">
+              <a:solidFill>
+                <a:srgbClr val="666666"/>
+              </a:solidFill>
+              <a:latin typeface="微软雅黑" pitchFamily="34" charset="-122"/>
+              <a:ea typeface="微软雅黑" pitchFamily="34" charset="-122"/>
+            </a:endParaRPr>
+          </a:p>
+          <a:p>
+            <a:pPr lvl="0" algn="just">
+              <a:lnSpc>
+                <a:spcPct val="100000"/>
+              </a:lnSpc>
+            </a:pPr>
             <a:r>
-              <a:rPr lang="en-US" altLang="zh-HK" sz="1100" dirty="0">
+              <a:rPr lang="zh-CN" altLang="zh-HK" sz="1400" dirty="0">
                 <a:solidFill>
                   <a:srgbClr val="666666"/>
                 </a:solidFill>
                 <a:latin typeface="微软雅黑" pitchFamily="34" charset="-122"/>
                 <a:ea typeface="微软雅黑" pitchFamily="34" charset="-122"/>
               </a:rPr>
-              <a:t>It was the best of times, it was the worst of times; it was the age of wisdom, it was the age of </a:t>
+              <a:t>药单与医生、病人、药品等；</a:t>
             </a:r>
+            <a:endParaRPr lang="zh-CN" altLang="zh-HK" sz="1400" dirty="0">
+              <a:solidFill>
+                <a:srgbClr val="666666"/>
+              </a:solidFill>
+              <a:latin typeface="微软雅黑" pitchFamily="34" charset="-122"/>
+              <a:ea typeface="微软雅黑" pitchFamily="34" charset="-122"/>
+            </a:endParaRPr>
+          </a:p>
+          <a:p>
+            <a:pPr lvl="0" algn="just">
+              <a:lnSpc>
+                <a:spcPct val="100000"/>
+              </a:lnSpc>
+            </a:pPr>
             <a:r>
-              <a:rPr lang="en-US" altLang="zh-HK" sz="1100" dirty="0" smtClean="0">
+              <a:rPr lang="zh-CN" altLang="zh-HK" sz="1400" dirty="0">
                 <a:solidFill>
                   <a:srgbClr val="666666"/>
                 </a:solidFill>
                 <a:latin typeface="微软雅黑" pitchFamily="34" charset="-122"/>
                 <a:ea typeface="微软雅黑" pitchFamily="34" charset="-122"/>
               </a:rPr>
-              <a:t>foolishness.</a:t>
+              <a:t>药品与数量、库存量、厂商等；</a:t>
             </a:r>
-            <a:r>
-              <a:rPr lang="zh-HK" altLang="zh-HK" sz="1100" dirty="0">
-                <a:solidFill>
-                  <a:srgbClr val="666666"/>
-                </a:solidFill>
-                <a:latin typeface="微软雅黑" pitchFamily="34" charset="-122"/>
-                <a:ea typeface="微软雅黑" pitchFamily="34" charset="-122"/>
-                <a:cs typeface="Arial" pitchFamily="34" charset="0"/>
-              </a:rPr>
-              <a:t> It was the epoch of belief, and it was the epoch of incredulity. It was the season of light, and it was the season of darkness. It was the spring of hope, and it was the winter of despair. </a:t>
-            </a:r>
-            <a:endParaRPr lang="zh-HK" altLang="zh-HK" sz="1100" dirty="0">
+            <a:endParaRPr lang="zh-CN" altLang="zh-HK" sz="1400" dirty="0">
               <a:solidFill>
                 <a:srgbClr val="666666"/>
               </a:solidFill>
@@ -17214,6 +19901,54 @@
               <a:ea typeface="微软雅黑" pitchFamily="34" charset="-122"/>
             </a:endParaRPr>
           </a:p>
+          <a:p>
+            <a:pPr lvl="0" algn="just">
+              <a:lnSpc>
+                <a:spcPct val="100000"/>
+              </a:lnSpc>
+            </a:pPr>
+            <a:r>
+              <a:rPr lang="zh-CN" altLang="zh-HK" sz="1400" dirty="0">
+                <a:solidFill>
+                  <a:srgbClr val="666666"/>
+                </a:solidFill>
+                <a:latin typeface="微软雅黑" pitchFamily="34" charset="-122"/>
+                <a:ea typeface="微软雅黑" pitchFamily="34" charset="-122"/>
+              </a:rPr>
+              <a:t>病人与主治医生、药品、科室等；</a:t>
+            </a:r>
+            <a:endParaRPr lang="zh-CN" altLang="zh-HK" sz="1400" dirty="0">
+              <a:solidFill>
+                <a:srgbClr val="666666"/>
+              </a:solidFill>
+              <a:latin typeface="微软雅黑" pitchFamily="34" charset="-122"/>
+              <a:ea typeface="微软雅黑" pitchFamily="34" charset="-122"/>
+            </a:endParaRPr>
+          </a:p>
+          <a:p>
+            <a:pPr lvl="0" algn="just">
+              <a:lnSpc>
+                <a:spcPct val="100000"/>
+              </a:lnSpc>
+            </a:pPr>
+            <a:r>
+              <a:rPr lang="zh-CN" altLang="zh-HK" sz="1400" dirty="0">
+                <a:solidFill>
+                  <a:srgbClr val="666666"/>
+                </a:solidFill>
+                <a:latin typeface="微软雅黑" pitchFamily="34" charset="-122"/>
+                <a:ea typeface="微软雅黑" pitchFamily="34" charset="-122"/>
+              </a:rPr>
+              <a:t>解决：最终舍弃一些逻辑处理，专注于取药验证。</a:t>
+            </a:r>
+            <a:endParaRPr lang="zh-CN" altLang="zh-HK" sz="1400" dirty="0">
+              <a:solidFill>
+                <a:srgbClr val="666666"/>
+              </a:solidFill>
+              <a:latin typeface="微软雅黑" pitchFamily="34" charset="-122"/>
+              <a:ea typeface="微软雅黑" pitchFamily="34" charset="-122"/>
+            </a:endParaRPr>
+          </a:p>
         </p:txBody>
       </p:sp>
       <p:sp>
@@ -17225,7 +19960,7 @@
         <p:spPr>
           <a:xfrm>
             <a:off x="4542620" y="1447448"/>
-            <a:ext cx="2171700" cy="384810"/>
+            <a:ext cx="2171700" cy="417830"/>
           </a:xfrm>
           <a:prstGeom prst="rect">
             <a:avLst/>
@@ -17240,7 +19975,7 @@
           <a:p>
             <a:pPr algn="ctr"/>
             <a:r>
-              <a:rPr lang="zh-CN" altLang="zh-HK" b="1" dirty="0">
+              <a:rPr lang="zh-CN" altLang="zh-HK" sz="2000" b="1" dirty="0">
                 <a:solidFill>
                   <a:schemeClr val="accent2"/>
                 </a:solidFill>
@@ -17249,7 +19984,7 @@
               </a:rPr>
               <a:t>逻辑处理</a:t>
             </a:r>
-            <a:endParaRPr lang="zh-CN" altLang="zh-HK" b="1" dirty="0">
+            <a:endParaRPr lang="zh-CN" altLang="zh-HK" sz="2000" b="1" dirty="0">
               <a:solidFill>
                 <a:schemeClr val="accent2"/>
               </a:solidFill>
@@ -17268,7 +20003,7 @@
         <p:spPr>
           <a:xfrm>
             <a:off x="4542620" y="5091633"/>
-            <a:ext cx="4292600" cy="938719"/>
+            <a:ext cx="4292600" cy="959485"/>
           </a:xfrm>
           <a:prstGeom prst="rect">
             <a:avLst/>
@@ -17281,38 +20016,70 @@
           <a:lstStyle/>
           <a:p>
             <a:pPr lvl="0" algn="just"/>
+            <a:endParaRPr lang="zh-CN" altLang="zh-HK" sz="1400" dirty="0">
+              <a:solidFill>
+                <a:srgbClr val="666666"/>
+              </a:solidFill>
+              <a:latin typeface="微软雅黑" pitchFamily="34" charset="-122"/>
+              <a:ea typeface="微软雅黑" pitchFamily="34" charset="-122"/>
+            </a:endParaRPr>
+          </a:p>
+          <a:p>
+            <a:pPr lvl="0" algn="just"/>
             <a:r>
-              <a:rPr lang="en-US" altLang="zh-HK" sz="1100" dirty="0">
+              <a:rPr lang="zh-CN" altLang="zh-HK" sz="1400" dirty="0">
                 <a:solidFill>
                   <a:srgbClr val="666666"/>
                 </a:solidFill>
                 <a:latin typeface="微软雅黑" pitchFamily="34" charset="-122"/>
                 <a:ea typeface="微软雅黑" pitchFamily="34" charset="-122"/>
+                <a:sym typeface="+mn-ea"/>
               </a:rPr>
-              <a:t>It was the best of times, it was the worst of times; it was the age of wisdom, it was the age of </a:t>
+              <a:t>定义接口；</a:t>
             </a:r>
+            <a:endParaRPr lang="zh-CN" altLang="zh-HK" sz="1400" dirty="0">
+              <a:solidFill>
+                <a:srgbClr val="666666"/>
+              </a:solidFill>
+              <a:latin typeface="微软雅黑" pitchFamily="34" charset="-122"/>
+              <a:ea typeface="微软雅黑" pitchFamily="34" charset="-122"/>
+            </a:endParaRPr>
+          </a:p>
+          <a:p>
+            <a:pPr lvl="0" algn="just"/>
             <a:r>
-              <a:rPr lang="en-US" altLang="zh-HK" sz="1100" dirty="0" smtClean="0">
+              <a:rPr lang="zh-CN" altLang="zh-HK" sz="1400" dirty="0">
                 <a:solidFill>
                   <a:srgbClr val="666666"/>
                 </a:solidFill>
                 <a:latin typeface="微软雅黑" pitchFamily="34" charset="-122"/>
                 <a:ea typeface="微软雅黑" pitchFamily="34" charset="-122"/>
+                <a:sym typeface="+mn-ea"/>
               </a:rPr>
-              <a:t>foolishness.</a:t>
+              <a:t>前后端跑在不同的服务器；</a:t>
             </a:r>
+            <a:endParaRPr lang="zh-CN" altLang="zh-HK" sz="1400" dirty="0">
+              <a:solidFill>
+                <a:srgbClr val="666666"/>
+              </a:solidFill>
+              <a:latin typeface="微软雅黑" pitchFamily="34" charset="-122"/>
+              <a:ea typeface="微软雅黑" pitchFamily="34" charset="-122"/>
+            </a:endParaRPr>
+          </a:p>
+          <a:p>
+            <a:pPr lvl="0" algn="just"/>
             <a:r>
-              <a:rPr lang="zh-HK" altLang="zh-HK" sz="1100" dirty="0">
+              <a:rPr lang="zh-CN" altLang="zh-HK" sz="1400" dirty="0">
                 <a:solidFill>
                   <a:srgbClr val="666666"/>
                 </a:solidFill>
                 <a:latin typeface="微软雅黑" pitchFamily="34" charset="-122"/>
                 <a:ea typeface="微软雅黑" pitchFamily="34" charset="-122"/>
-                <a:cs typeface="Arial" pitchFamily="34" charset="0"/>
+                <a:sym typeface="+mn-ea"/>
               </a:rPr>
-              <a:t> It was the epoch of belief, and it was the epoch of incredulity. It was the season of light, and it was the season of darkness. It was the spring of hope, and it was the winter of despair. </a:t>
+              <a:t>解决：自己搜索学习，请教同学、同事。</a:t>
             </a:r>
-            <a:endParaRPr lang="zh-HK" altLang="zh-HK" sz="1100" dirty="0">
+            <a:endParaRPr lang="zh-HK" altLang="zh-HK" sz="1400" dirty="0">
               <a:solidFill>
                 <a:srgbClr val="666666"/>
               </a:solidFill>
@@ -19211,8 +21978,8 @@
         </p:nvSpPr>
         <p:spPr>
           <a:xfrm>
-            <a:off x="394934" y="2268199"/>
-            <a:ext cx="2246643" cy="769441"/>
+            <a:off x="360644" y="2471399"/>
+            <a:ext cx="2246643" cy="1005840"/>
           </a:xfrm>
           <a:prstGeom prst="rect">
             <a:avLst/>
@@ -19224,86 +21991,29 @@
           </a:bodyPr>
           <a:lstStyle/>
           <a:p>
-            <a:pPr lvl="0" algn="just"/>
+            <a:pPr lvl="0" algn="just">
+              <a:lnSpc>
+                <a:spcPct val="150000"/>
+              </a:lnSpc>
+            </a:pPr>
             <a:r>
-              <a:rPr lang="en-US" altLang="zh-HK" sz="1100" dirty="0">
+              <a:rPr lang="zh-CN" altLang="zh-HK" sz="2000" b="1" dirty="0">
                 <a:solidFill>
                   <a:srgbClr val="7C233E"/>
                 </a:solidFill>
                 <a:latin typeface="微软雅黑" pitchFamily="34" charset="-122"/>
                 <a:ea typeface="微软雅黑" pitchFamily="34" charset="-122"/>
+                <a:sym typeface="+mn-ea"/>
               </a:rPr>
-              <a:t>It was the best of times, it was the worst of times; it was the age of wisdom, it was the age of </a:t>
+              <a:t>工作前第一次完成完整项目</a:t>
             </a:r>
-            <a:r>
-              <a:rPr lang="en-US" altLang="zh-HK" sz="1100" dirty="0" smtClean="0">
-                <a:solidFill>
-                  <a:srgbClr val="7C233E"/>
-                </a:solidFill>
-                <a:latin typeface="微软雅黑" pitchFamily="34" charset="-122"/>
-                <a:ea typeface="微软雅黑" pitchFamily="34" charset="-122"/>
-              </a:rPr>
-              <a:t>foolishness.</a:t>
-            </a:r>
-            <a:r>
-              <a:rPr lang="zh-HK" altLang="zh-HK" sz="1100" dirty="0">
-                <a:solidFill>
-                  <a:srgbClr val="7C233E"/>
-                </a:solidFill>
-                <a:latin typeface="微软雅黑" pitchFamily="34" charset="-122"/>
-                <a:ea typeface="微软雅黑" pitchFamily="34" charset="-122"/>
-                <a:cs typeface="Arial" pitchFamily="34" charset="0"/>
-              </a:rPr>
-              <a:t> </a:t>
-            </a:r>
-            <a:endParaRPr lang="zh-HK" altLang="zh-HK" sz="1100" dirty="0">
+            <a:endParaRPr lang="zh-CN" altLang="zh-HK" sz="2000" b="1" dirty="0">
               <a:solidFill>
                 <a:srgbClr val="7C233E"/>
               </a:solidFill>
               <a:latin typeface="微软雅黑" pitchFamily="34" charset="-122"/>
               <a:ea typeface="微软雅黑" pitchFamily="34" charset="-122"/>
-            </a:endParaRPr>
-          </a:p>
-        </p:txBody>
-      </p:sp>
-      <p:sp>
-        <p:nvSpPr>
-          <p:cNvPr id="29" name="文本框 28"/>
-          <p:cNvSpPr txBox="1"/>
-          <p:nvPr/>
-        </p:nvSpPr>
-        <p:spPr>
-          <a:xfrm>
-            <a:off x="394934" y="1879069"/>
-            <a:ext cx="2171700" cy="369332"/>
-          </a:xfrm>
-          <a:prstGeom prst="rect">
-            <a:avLst/>
-          </a:prstGeom>
-          <a:noFill/>
-        </p:spPr>
-        <p:txBody>
-          <a:bodyPr wrap="square" rtlCol="0">
-            <a:spAutoFit/>
-          </a:bodyPr>
-          <a:lstStyle/>
-          <a:p>
-            <a:r>
-              <a:rPr lang="en-US" altLang="zh-CN" b="1" dirty="0" smtClean="0">
-                <a:solidFill>
-                  <a:srgbClr val="7C233E"/>
-                </a:solidFill>
-                <a:latin typeface="微软雅黑" pitchFamily="34" charset="-122"/>
-                <a:ea typeface="微软雅黑" pitchFamily="34" charset="-122"/>
-              </a:rPr>
-              <a:t>ADD  TITLE</a:t>
-            </a:r>
-            <a:endParaRPr lang="zh-HK" altLang="en-US" b="1" dirty="0">
-              <a:solidFill>
-                <a:srgbClr val="7C233E"/>
-              </a:solidFill>
-              <a:latin typeface="微软雅黑" pitchFamily="34" charset="-122"/>
-              <a:ea typeface="微软雅黑" pitchFamily="34" charset="-122"/>
+              <a:sym typeface="+mn-ea"/>
             </a:endParaRPr>
           </a:p>
         </p:txBody>
@@ -19360,111 +22070,6 @@
       </p:sp>
       <p:sp>
         <p:nvSpPr>
-          <p:cNvPr id="32" name="矩形 31"/>
-          <p:cNvSpPr/>
-          <p:nvPr/>
-        </p:nvSpPr>
-        <p:spPr>
-          <a:xfrm>
-            <a:off x="451603" y="4736182"/>
-            <a:ext cx="2246643" cy="769441"/>
-          </a:xfrm>
-          <a:prstGeom prst="rect">
-            <a:avLst/>
-          </a:prstGeom>
-        </p:spPr>
-        <p:txBody>
-          <a:bodyPr wrap="square">
-            <a:spAutoFit/>
-          </a:bodyPr>
-          <a:lstStyle/>
-          <a:p>
-            <a:pPr lvl="0" algn="just"/>
-            <a:r>
-              <a:rPr lang="en-US" altLang="zh-HK" sz="1100" dirty="0">
-                <a:solidFill>
-                  <a:srgbClr val="7C233E"/>
-                </a:solidFill>
-                <a:latin typeface="微软雅黑" pitchFamily="34" charset="-122"/>
-                <a:ea typeface="微软雅黑" pitchFamily="34" charset="-122"/>
-              </a:rPr>
-              <a:t>It was the best of times, it was the worst of times; it was the age of wisdom, it was the age of </a:t>
-            </a:r>
-            <a:r>
-              <a:rPr lang="en-US" altLang="zh-HK" sz="1100" dirty="0" smtClean="0">
-                <a:solidFill>
-                  <a:srgbClr val="7C233E"/>
-                </a:solidFill>
-                <a:latin typeface="微软雅黑" pitchFamily="34" charset="-122"/>
-                <a:ea typeface="微软雅黑" pitchFamily="34" charset="-122"/>
-              </a:rPr>
-              <a:t>foolishness.</a:t>
-            </a:r>
-            <a:r>
-              <a:rPr lang="zh-HK" altLang="zh-HK" sz="1100" dirty="0">
-                <a:solidFill>
-                  <a:srgbClr val="7C233E"/>
-                </a:solidFill>
-                <a:latin typeface="微软雅黑" pitchFamily="34" charset="-122"/>
-                <a:ea typeface="微软雅黑" pitchFamily="34" charset="-122"/>
-                <a:cs typeface="Arial" pitchFamily="34" charset="0"/>
-              </a:rPr>
-              <a:t> </a:t>
-            </a:r>
-            <a:endParaRPr lang="zh-HK" altLang="zh-HK" sz="1100" dirty="0">
-              <a:solidFill>
-                <a:srgbClr val="7C233E"/>
-              </a:solidFill>
-              <a:latin typeface="微软雅黑" pitchFamily="34" charset="-122"/>
-              <a:ea typeface="微软雅黑" pitchFamily="34" charset="-122"/>
-            </a:endParaRPr>
-          </a:p>
-        </p:txBody>
-      </p:sp>
-      <p:sp>
-        <p:nvSpPr>
-          <p:cNvPr id="33" name="文本框 32"/>
-          <p:cNvSpPr txBox="1"/>
-          <p:nvPr/>
-        </p:nvSpPr>
-        <p:spPr>
-          <a:xfrm>
-            <a:off x="451603" y="4347052"/>
-            <a:ext cx="2171700" cy="369332"/>
-          </a:xfrm>
-          <a:prstGeom prst="rect">
-            <a:avLst/>
-          </a:prstGeom>
-          <a:noFill/>
-        </p:spPr>
-        <p:txBody>
-          <a:bodyPr wrap="square" rtlCol="0">
-            <a:spAutoFit/>
-          </a:bodyPr>
-          <a:lstStyle/>
-          <a:p>
-            <a:r>
-              <a:rPr lang="en-US" altLang="zh-CN" b="1" dirty="0" smtClean="0">
-                <a:solidFill>
-                  <a:srgbClr val="7C233E"/>
-                </a:solidFill>
-                <a:latin typeface="微软雅黑" pitchFamily="34" charset="-122"/>
-                <a:ea typeface="微软雅黑" pitchFamily="34" charset="-122"/>
-              </a:rPr>
-              <a:t>ADD  TITLE</a:t>
-            </a:r>
-            <a:endParaRPr lang="zh-HK" altLang="en-US" b="1" dirty="0">
-              <a:solidFill>
-                <a:srgbClr val="7C233E"/>
-              </a:solidFill>
-              <a:latin typeface="微软雅黑" pitchFamily="34" charset="-122"/>
-              <a:ea typeface="微软雅黑" pitchFamily="34" charset="-122"/>
-            </a:endParaRPr>
-          </a:p>
-        </p:txBody>
-      </p:sp>
-      <p:sp>
-        <p:nvSpPr>
           <p:cNvPr id="34" name="矩形 33"/>
           <p:cNvSpPr/>
           <p:nvPr/>
@@ -19515,111 +22120,6 @@
       </p:sp>
       <p:sp>
         <p:nvSpPr>
-          <p:cNvPr id="36" name="矩形 35"/>
-          <p:cNvSpPr/>
-          <p:nvPr/>
-        </p:nvSpPr>
-        <p:spPr>
-          <a:xfrm>
-            <a:off x="6502424" y="4743439"/>
-            <a:ext cx="2246643" cy="769441"/>
-          </a:xfrm>
-          <a:prstGeom prst="rect">
-            <a:avLst/>
-          </a:prstGeom>
-        </p:spPr>
-        <p:txBody>
-          <a:bodyPr wrap="square">
-            <a:spAutoFit/>
-          </a:bodyPr>
-          <a:lstStyle/>
-          <a:p>
-            <a:pPr lvl="0" algn="just"/>
-            <a:r>
-              <a:rPr lang="en-US" altLang="zh-HK" sz="1100" dirty="0">
-                <a:solidFill>
-                  <a:srgbClr val="7C233E"/>
-                </a:solidFill>
-                <a:latin typeface="微软雅黑" pitchFamily="34" charset="-122"/>
-                <a:ea typeface="微软雅黑" pitchFamily="34" charset="-122"/>
-              </a:rPr>
-              <a:t>It was the best of times, it was the worst of times; it was the age of wisdom, it was the age of </a:t>
-            </a:r>
-            <a:r>
-              <a:rPr lang="en-US" altLang="zh-HK" sz="1100" dirty="0" smtClean="0">
-                <a:solidFill>
-                  <a:srgbClr val="7C233E"/>
-                </a:solidFill>
-                <a:latin typeface="微软雅黑" pitchFamily="34" charset="-122"/>
-                <a:ea typeface="微软雅黑" pitchFamily="34" charset="-122"/>
-              </a:rPr>
-              <a:t>foolishness.</a:t>
-            </a:r>
-            <a:r>
-              <a:rPr lang="zh-HK" altLang="zh-HK" sz="1100" dirty="0">
-                <a:solidFill>
-                  <a:srgbClr val="7C233E"/>
-                </a:solidFill>
-                <a:latin typeface="微软雅黑" pitchFamily="34" charset="-122"/>
-                <a:ea typeface="微软雅黑" pitchFamily="34" charset="-122"/>
-                <a:cs typeface="Arial" pitchFamily="34" charset="0"/>
-              </a:rPr>
-              <a:t> </a:t>
-            </a:r>
-            <a:endParaRPr lang="zh-HK" altLang="zh-HK" sz="1100" dirty="0">
-              <a:solidFill>
-                <a:srgbClr val="7C233E"/>
-              </a:solidFill>
-              <a:latin typeface="微软雅黑" pitchFamily="34" charset="-122"/>
-              <a:ea typeface="微软雅黑" pitchFamily="34" charset="-122"/>
-            </a:endParaRPr>
-          </a:p>
-        </p:txBody>
-      </p:sp>
-      <p:sp>
-        <p:nvSpPr>
-          <p:cNvPr id="37" name="文本框 36"/>
-          <p:cNvSpPr txBox="1"/>
-          <p:nvPr/>
-        </p:nvSpPr>
-        <p:spPr>
-          <a:xfrm>
-            <a:off x="6502424" y="4354309"/>
-            <a:ext cx="2171700" cy="369332"/>
-          </a:xfrm>
-          <a:prstGeom prst="rect">
-            <a:avLst/>
-          </a:prstGeom>
-          <a:noFill/>
-        </p:spPr>
-        <p:txBody>
-          <a:bodyPr wrap="square" rtlCol="0">
-            <a:spAutoFit/>
-          </a:bodyPr>
-          <a:lstStyle/>
-          <a:p>
-            <a:r>
-              <a:rPr lang="en-US" altLang="zh-CN" b="1" dirty="0" smtClean="0">
-                <a:solidFill>
-                  <a:srgbClr val="7C233E"/>
-                </a:solidFill>
-                <a:latin typeface="微软雅黑" pitchFamily="34" charset="-122"/>
-                <a:ea typeface="微软雅黑" pitchFamily="34" charset="-122"/>
-              </a:rPr>
-              <a:t>ADD  TITLE</a:t>
-            </a:r>
-            <a:endParaRPr lang="zh-HK" altLang="en-US" b="1" dirty="0">
-              <a:solidFill>
-                <a:srgbClr val="7C233E"/>
-              </a:solidFill>
-              <a:latin typeface="微软雅黑" pitchFamily="34" charset="-122"/>
-              <a:ea typeface="微软雅黑" pitchFamily="34" charset="-122"/>
-            </a:endParaRPr>
-          </a:p>
-        </p:txBody>
-      </p:sp>
-      <p:sp>
-        <p:nvSpPr>
           <p:cNvPr id="38" name="矩形 37"/>
           <p:cNvSpPr/>
           <p:nvPr/>
@@ -19664,112 +22164,6 @@
               <a:solidFill>
                 <a:srgbClr val="7C233E"/>
               </a:solidFill>
-            </a:endParaRPr>
-          </a:p>
-        </p:txBody>
-      </p:sp>
-      <p:sp>
-        <p:nvSpPr>
-          <p:cNvPr id="40" name="矩形 39"/>
-          <p:cNvSpPr/>
-          <p:nvPr/>
-        </p:nvSpPr>
-        <p:spPr>
-          <a:xfrm>
-            <a:off x="6502424" y="2260942"/>
-            <a:ext cx="2246643" cy="769441"/>
-          </a:xfrm>
-          <a:prstGeom prst="rect">
-            <a:avLst/>
-          </a:prstGeom>
-        </p:spPr>
-        <p:txBody>
-          <a:bodyPr wrap="square">
-            <a:spAutoFit/>
-          </a:bodyPr>
-          <a:lstStyle/>
-          <a:p>
-            <a:pPr lvl="0" algn="just"/>
-            <a:r>
-              <a:rPr lang="en-US" altLang="zh-HK" sz="1100" dirty="0">
-                <a:solidFill>
-                  <a:srgbClr val="7C233E"/>
-                </a:solidFill>
-                <a:latin typeface="微软雅黑" pitchFamily="34" charset="-122"/>
-                <a:ea typeface="微软雅黑" pitchFamily="34" charset="-122"/>
-              </a:rPr>
-              <a:t>It was the best of times, it was the worst of times; it was the age of wisdom, it was the age of </a:t>
-            </a:r>
-            <a:r>
-              <a:rPr lang="en-US" altLang="zh-HK" sz="1100" dirty="0" smtClean="0">
-                <a:solidFill>
-                  <a:srgbClr val="7C233E"/>
-                </a:solidFill>
-                <a:latin typeface="微软雅黑" pitchFamily="34" charset="-122"/>
-                <a:ea typeface="微软雅黑" pitchFamily="34" charset="-122"/>
-              </a:rPr>
-              <a:t>foolishness.</a:t>
-            </a:r>
-            <a:r>
-              <a:rPr lang="zh-HK" altLang="zh-HK" sz="1100" dirty="0">
-                <a:solidFill>
-                  <a:srgbClr val="7C233E"/>
-                </a:solidFill>
-                <a:latin typeface="微软雅黑" pitchFamily="34" charset="-122"/>
-                <a:ea typeface="微软雅黑" pitchFamily="34" charset="-122"/>
-                <a:cs typeface="Arial" pitchFamily="34" charset="0"/>
-              </a:rPr>
-              <a:t> </a:t>
-            </a:r>
-            <a:endParaRPr lang="zh-HK" altLang="zh-HK" sz="1100" dirty="0">
-              <a:solidFill>
-                <a:srgbClr val="7C233E"/>
-              </a:solidFill>
-              <a:latin typeface="微软雅黑" pitchFamily="34" charset="-122"/>
-              <a:ea typeface="微软雅黑" pitchFamily="34" charset="-122"/>
-              <a:cs typeface="Arial" pitchFamily="34" charset="0"/>
-            </a:endParaRPr>
-          </a:p>
-        </p:txBody>
-      </p:sp>
-      <p:sp>
-        <p:nvSpPr>
-          <p:cNvPr id="41" name="文本框 40"/>
-          <p:cNvSpPr txBox="1"/>
-          <p:nvPr/>
-        </p:nvSpPr>
-        <p:spPr>
-          <a:xfrm>
-            <a:off x="6502424" y="1871812"/>
-            <a:ext cx="2171700" cy="369332"/>
-          </a:xfrm>
-          <a:prstGeom prst="rect">
-            <a:avLst/>
-          </a:prstGeom>
-          <a:noFill/>
-        </p:spPr>
-        <p:txBody>
-          <a:bodyPr wrap="square" rtlCol="0">
-            <a:spAutoFit/>
-          </a:bodyPr>
-          <a:lstStyle/>
-          <a:p>
-            <a:r>
-              <a:rPr lang="en-US" altLang="zh-CN" b="1" dirty="0" smtClean="0">
-                <a:solidFill>
-                  <a:srgbClr val="7C233E"/>
-                </a:solidFill>
-                <a:latin typeface="微软雅黑" pitchFamily="34" charset="-122"/>
-                <a:ea typeface="微软雅黑" pitchFamily="34" charset="-122"/>
-              </a:rPr>
-              <a:t>ADD  TITLE</a:t>
-            </a:r>
-            <a:endParaRPr lang="en-US" altLang="zh-CN" b="1" dirty="0" smtClean="0">
-              <a:solidFill>
-                <a:srgbClr val="7C233E"/>
-              </a:solidFill>
-              <a:latin typeface="微软雅黑" pitchFamily="34" charset="-122"/>
-              <a:ea typeface="微软雅黑" pitchFamily="34" charset="-122"/>
             </a:endParaRPr>
           </a:p>
         </p:txBody>
@@ -19947,6 +22341,175 @@
               </a:solidFill>
               <a:latin typeface="微软雅黑" pitchFamily="34" charset="-122"/>
               <a:ea typeface="微软雅黑" pitchFamily="34" charset="-122"/>
+            </a:endParaRPr>
+          </a:p>
+        </p:txBody>
+      </p:sp>
+      <p:sp>
+        <p:nvSpPr>
+          <p:cNvPr id="15" name="矩形 14"/>
+          <p:cNvSpPr/>
+          <p:nvPr/>
+        </p:nvSpPr>
+        <p:spPr>
+          <a:xfrm>
+            <a:off x="499709" y="4999969"/>
+            <a:ext cx="2246643" cy="548640"/>
+          </a:xfrm>
+          <a:prstGeom prst="rect">
+            <a:avLst/>
+          </a:prstGeom>
+        </p:spPr>
+        <p:txBody>
+          <a:bodyPr wrap="square">
+            <a:spAutoFit/>
+          </a:bodyPr>
+          <a:p>
+            <a:pPr lvl="0" algn="just">
+              <a:lnSpc>
+                <a:spcPct val="150000"/>
+              </a:lnSpc>
+            </a:pPr>
+            <a:r>
+              <a:rPr lang="zh-CN" altLang="zh-HK" sz="2000" b="1" dirty="0">
+                <a:solidFill>
+                  <a:srgbClr val="7C233E"/>
+                </a:solidFill>
+                <a:latin typeface="微软雅黑" pitchFamily="34" charset="-122"/>
+                <a:ea typeface="微软雅黑" pitchFamily="34" charset="-122"/>
+                <a:sym typeface="+mn-ea"/>
+              </a:rPr>
+              <a:t>做到了页面自适应</a:t>
+            </a:r>
+            <a:endParaRPr lang="zh-CN" altLang="zh-HK" sz="2000" b="1" dirty="0">
+              <a:solidFill>
+                <a:srgbClr val="7C233E"/>
+              </a:solidFill>
+              <a:latin typeface="微软雅黑" pitchFamily="34" charset="-122"/>
+              <a:ea typeface="微软雅黑" pitchFamily="34" charset="-122"/>
+              <a:sym typeface="+mn-ea"/>
+            </a:endParaRPr>
+          </a:p>
+        </p:txBody>
+      </p:sp>
+      <p:sp>
+        <p:nvSpPr>
+          <p:cNvPr id="20" name="矩形 19"/>
+          <p:cNvSpPr/>
+          <p:nvPr/>
+        </p:nvSpPr>
+        <p:spPr>
+          <a:xfrm>
+            <a:off x="6607139" y="4999969"/>
+            <a:ext cx="2246643" cy="1005840"/>
+          </a:xfrm>
+          <a:prstGeom prst="rect">
+            <a:avLst/>
+          </a:prstGeom>
+        </p:spPr>
+        <p:txBody>
+          <a:bodyPr wrap="square">
+            <a:spAutoFit/>
+          </a:bodyPr>
+          <a:lstStyle/>
+          <a:p>
+            <a:pPr lvl="0" algn="just">
+              <a:lnSpc>
+                <a:spcPct val="150000"/>
+              </a:lnSpc>
+            </a:pPr>
+            <a:r>
+              <a:rPr lang="zh-CN" altLang="zh-HK" sz="2000" b="1" dirty="0">
+                <a:solidFill>
+                  <a:srgbClr val="7C233E"/>
+                </a:solidFill>
+                <a:latin typeface="微软雅黑" pitchFamily="34" charset="-122"/>
+                <a:ea typeface="微软雅黑" pitchFamily="34" charset="-122"/>
+                <a:sym typeface="+mn-ea"/>
+              </a:rPr>
+              <a:t>对用到的前端类库有了更深了解</a:t>
+            </a:r>
+            <a:endParaRPr lang="zh-CN" altLang="zh-HK" sz="2000" b="1" dirty="0">
+              <a:solidFill>
+                <a:srgbClr val="7C233E"/>
+              </a:solidFill>
+              <a:latin typeface="微软雅黑" pitchFamily="34" charset="-122"/>
+              <a:ea typeface="微软雅黑" pitchFamily="34" charset="-122"/>
+              <a:sym typeface="+mn-ea"/>
+            </a:endParaRPr>
+          </a:p>
+        </p:txBody>
+      </p:sp>
+      <p:sp>
+        <p:nvSpPr>
+          <p:cNvPr id="26" name="矩形 25"/>
+          <p:cNvSpPr/>
+          <p:nvPr/>
+        </p:nvSpPr>
+        <p:spPr>
+          <a:xfrm>
+            <a:off x="6607139" y="2395199"/>
+            <a:ext cx="2246643" cy="1005840"/>
+          </a:xfrm>
+          <a:prstGeom prst="rect">
+            <a:avLst/>
+          </a:prstGeom>
+        </p:spPr>
+        <p:txBody>
+          <a:bodyPr wrap="square">
+            <a:spAutoFit/>
+          </a:bodyPr>
+          <a:lstStyle/>
+          <a:p>
+            <a:pPr lvl="0" algn="just">
+              <a:lnSpc>
+                <a:spcPct val="150000"/>
+              </a:lnSpc>
+            </a:pPr>
+            <a:r>
+              <a:rPr lang="zh-CN" altLang="zh-HK" sz="2000" b="1" dirty="0">
+                <a:solidFill>
+                  <a:srgbClr val="7C233E"/>
+                </a:solidFill>
+                <a:latin typeface="微软雅黑" pitchFamily="34" charset="-122"/>
+                <a:ea typeface="微软雅黑" pitchFamily="34" charset="-122"/>
+                <a:sym typeface="+mn-ea"/>
+              </a:rPr>
+              <a:t>独立分析需求，</a:t>
+            </a:r>
+            <a:endParaRPr lang="zh-CN" altLang="zh-HK" sz="2000" b="1" dirty="0">
+              <a:solidFill>
+                <a:srgbClr val="7C233E"/>
+              </a:solidFill>
+              <a:latin typeface="微软雅黑" pitchFamily="34" charset="-122"/>
+              <a:ea typeface="微软雅黑" pitchFamily="34" charset="-122"/>
+              <a:sym typeface="+mn-ea"/>
+            </a:endParaRPr>
+          </a:p>
+          <a:p>
+            <a:pPr lvl="0" algn="just">
+              <a:lnSpc>
+                <a:spcPct val="150000"/>
+              </a:lnSpc>
+            </a:pPr>
+            <a:r>
+              <a:rPr lang="zh-CN" altLang="zh-HK" sz="2000" b="1" dirty="0">
+                <a:solidFill>
+                  <a:srgbClr val="7C233E"/>
+                </a:solidFill>
+                <a:latin typeface="微软雅黑" pitchFamily="34" charset="-122"/>
+                <a:ea typeface="微软雅黑" pitchFamily="34" charset="-122"/>
+                <a:sym typeface="+mn-ea"/>
+              </a:rPr>
+              <a:t>合理安排时间</a:t>
+            </a:r>
+            <a:endParaRPr lang="zh-CN" altLang="zh-HK" sz="2000" b="1" dirty="0">
+              <a:solidFill>
+                <a:srgbClr val="7C233E"/>
+              </a:solidFill>
+              <a:latin typeface="微软雅黑" pitchFamily="34" charset="-122"/>
+              <a:ea typeface="微软雅黑" pitchFamily="34" charset="-122"/>
+              <a:sym typeface="+mn-ea"/>
             </a:endParaRPr>
           </a:p>
         </p:txBody>
@@ -20549,13 +23112,13 @@
       </p:sp>
       <p:sp>
         <p:nvSpPr>
-          <p:cNvPr id="32" name="椭圆 31"/>
+          <p:cNvPr id="33" name="椭圆 32"/>
           <p:cNvSpPr/>
           <p:nvPr/>
         </p:nvSpPr>
         <p:spPr>
           <a:xfrm>
-            <a:off x="3331803" y="3238110"/>
+            <a:off x="2412999" y="4895159"/>
             <a:ext cx="918803" cy="918803"/>
           </a:xfrm>
           <a:prstGeom prst="ellipse">
@@ -20590,69 +23153,13 @@
           <a:p>
             <a:pPr algn="ctr"/>
             <a:r>
-              <a:rPr lang="en-US" altLang="zh-CN" sz="3600" b="1" dirty="0">
+              <a:rPr lang="en-US" altLang="zh-HK" sz="3600" b="1" dirty="0">
                 <a:latin typeface="微软雅黑" pitchFamily="34" charset="-122"/>
                 <a:ea typeface="微软雅黑" pitchFamily="34" charset="-122"/>
               </a:rPr>
               <a:t>B</a:t>
             </a:r>
-            <a:endParaRPr lang="zh-HK" altLang="en-US" sz="3600" b="1" dirty="0">
-              <a:latin typeface="微软雅黑" pitchFamily="34" charset="-122"/>
-              <a:ea typeface="微软雅黑" pitchFamily="34" charset="-122"/>
-            </a:endParaRPr>
-          </a:p>
-        </p:txBody>
-      </p:sp>
-      <p:sp>
-        <p:nvSpPr>
-          <p:cNvPr id="33" name="椭圆 32"/>
-          <p:cNvSpPr/>
-          <p:nvPr/>
-        </p:nvSpPr>
-        <p:spPr>
-          <a:xfrm>
-            <a:off x="2412999" y="4895159"/>
-            <a:ext cx="918803" cy="918803"/>
-          </a:xfrm>
-          <a:prstGeom prst="ellipse">
-            <a:avLst/>
-          </a:prstGeom>
-          <a:solidFill>
-            <a:srgbClr val="7C233E"/>
-          </a:solidFill>
-          <a:ln>
-            <a:noFill/>
-          </a:ln>
-        </p:spPr>
-        <p:style>
-          <a:lnRef idx="2">
-            <a:schemeClr val="accent1">
-              <a:shade val="50000"/>
-            </a:schemeClr>
-          </a:lnRef>
-          <a:fillRef idx="1">
-            <a:schemeClr val="accent1"/>
-          </a:fillRef>
-          <a:effectRef idx="0">
-            <a:schemeClr val="accent1"/>
-          </a:effectRef>
-          <a:fontRef idx="minor">
-            <a:schemeClr val="lt1"/>
-          </a:fontRef>
-        </p:style>
-        <p:txBody>
-          <a:bodyPr rtlCol="0" anchor="ctr"/>
-          <a:lstStyle/>
-          <a:p>
-            <a:pPr algn="ctr"/>
-            <a:r>
-              <a:rPr lang="en-US" altLang="zh-CN" sz="3600" b="1" dirty="0" smtClean="0">
-                <a:latin typeface="微软雅黑" pitchFamily="34" charset="-122"/>
-                <a:ea typeface="微软雅黑" pitchFamily="34" charset="-122"/>
-              </a:rPr>
-              <a:t>C</a:t>
-            </a:r>
-            <a:endParaRPr lang="zh-HK" altLang="en-US" sz="3600" b="1" dirty="0">
+            <a:endParaRPr lang="en-US" altLang="zh-HK" sz="3600" b="1" dirty="0">
               <a:latin typeface="微软雅黑" pitchFamily="34" charset="-122"/>
               <a:ea typeface="微软雅黑" pitchFamily="34" charset="-122"/>
             </a:endParaRPr>
@@ -20669,41 +23176,6 @@
           <a:xfrm flipV="1">
             <a:off x="1428902" y="2317321"/>
             <a:ext cx="812800" cy="482600"/>
-          </a:xfrm>
-          <a:prstGeom prst="line">
-            <a:avLst/>
-          </a:prstGeom>
-          <a:ln w="28575">
-            <a:solidFill>
-              <a:srgbClr val="7C233E"/>
-            </a:solidFill>
-          </a:ln>
-        </p:spPr>
-        <p:style>
-          <a:lnRef idx="1">
-            <a:schemeClr val="accent1"/>
-          </a:lnRef>
-          <a:fillRef idx="0">
-            <a:schemeClr val="accent1"/>
-          </a:fillRef>
-          <a:effectRef idx="0">
-            <a:schemeClr val="accent1"/>
-          </a:effectRef>
-          <a:fontRef idx="minor">
-            <a:schemeClr val="tx1"/>
-          </a:fontRef>
-        </p:style>
-      </p:cxnSp>
-      <p:cxnSp>
-        <p:nvCxnSpPr>
-          <p:cNvPr id="38" name="直接连接符 37"/>
-          <p:cNvCxnSpPr/>
-          <p:nvPr/>
-        </p:nvCxnSpPr>
-        <p:spPr>
-          <a:xfrm>
-            <a:off x="1663700" y="3697511"/>
-            <a:ext cx="1460500" cy="0"/>
           </a:xfrm>
           <a:prstGeom prst="line">
             <a:avLst/>
@@ -20773,7 +23245,7 @@
         <p:spPr>
           <a:xfrm>
             <a:off x="3670604" y="1712965"/>
-            <a:ext cx="4292600" cy="938719"/>
+            <a:ext cx="4292600" cy="2785745"/>
           </a:xfrm>
           <a:prstGeom prst="rect">
             <a:avLst/>
@@ -20786,28 +23258,33 @@
           <a:lstStyle/>
           <a:p>
             <a:pPr lvl="0" algn="just"/>
+            <a:endParaRPr lang="en-US" altLang="zh-HK" sz="1100" dirty="0">
+              <a:solidFill>
+                <a:srgbClr val="666666"/>
+              </a:solidFill>
+              <a:latin typeface="微软雅黑" pitchFamily="34" charset="-122"/>
+              <a:ea typeface="微软雅黑" pitchFamily="34" charset="-122"/>
+              <a:cs typeface="Arial" pitchFamily="34" charset="0"/>
+            </a:endParaRPr>
+          </a:p>
+          <a:p>
+            <a:pPr lvl="0" algn="just"/>
+            <a:endParaRPr lang="en-US" altLang="zh-HK" sz="1100" dirty="0">
+              <a:solidFill>
+                <a:srgbClr val="666666"/>
+              </a:solidFill>
+              <a:latin typeface="微软雅黑" pitchFamily="34" charset="-122"/>
+              <a:ea typeface="微软雅黑" pitchFamily="34" charset="-122"/>
+              <a:cs typeface="Arial" pitchFamily="34" charset="0"/>
+            </a:endParaRPr>
+          </a:p>
+          <a:p>
+            <a:pPr lvl="0" indent="0" algn="just">
+              <a:buFont typeface="Arial" charset="0"/>
+              <a:buNone/>
+            </a:pPr>
             <a:r>
-              <a:rPr lang="en-US" altLang="zh-HK" sz="1100" dirty="0">
-                <a:solidFill>
-                  <a:srgbClr val="666666"/>
-                </a:solidFill>
-                <a:latin typeface="微软雅黑" pitchFamily="34" charset="-122"/>
-                <a:ea typeface="微软雅黑" pitchFamily="34" charset="-122"/>
-              </a:rPr>
-              <a:t>It was the best of times, it was the worst of times; it was the age of wisdom, it was the age of </a:t>
-            </a:r>
-            <a:r>
-              <a:rPr lang="en-US" altLang="zh-HK" sz="1100" dirty="0" smtClean="0">
-                <a:solidFill>
-                  <a:srgbClr val="666666"/>
-                </a:solidFill>
-                <a:latin typeface="微软雅黑" pitchFamily="34" charset="-122"/>
-                <a:ea typeface="微软雅黑" pitchFamily="34" charset="-122"/>
-              </a:rPr>
-              <a:t>foolishness.</a:t>
-            </a:r>
-            <a:r>
-              <a:rPr lang="zh-HK" altLang="zh-HK" sz="1100" dirty="0">
+              <a:rPr lang="zh-HK" altLang="zh-HK" sz="1400" dirty="0">
                 <a:solidFill>
                   <a:srgbClr val="666666"/>
                 </a:solidFill>
@@ -20815,8 +23292,419 @@
                 <a:ea typeface="微软雅黑" pitchFamily="34" charset="-122"/>
                 <a:cs typeface="Arial" pitchFamily="34" charset="0"/>
               </a:rPr>
-              <a:t> It was the epoch of belief, and it was the epoch of incredulity. It was the season of light, and it was the season of darkness. It was the spring of hope, and it was the winter of despair. </a:t>
+              <a:t>现有的医疗系统</a:t>
             </a:r>
+            <a:r>
+              <a:rPr lang="zh-CN" altLang="zh-HK" sz="1400" dirty="0">
+                <a:solidFill>
+                  <a:srgbClr val="666666"/>
+                </a:solidFill>
+                <a:latin typeface="微软雅黑" pitchFamily="34" charset="-122"/>
+                <a:ea typeface="微软雅黑" pitchFamily="34" charset="-122"/>
+                <a:cs typeface="Arial" pitchFamily="34" charset="0"/>
+              </a:rPr>
+              <a:t>比较杂乱，</a:t>
+            </a:r>
+            <a:r>
+              <a:rPr lang="zh-HK" altLang="zh-HK" sz="1400" dirty="0">
+                <a:solidFill>
+                  <a:srgbClr val="666666"/>
+                </a:solidFill>
+                <a:latin typeface="微软雅黑" pitchFamily="34" charset="-122"/>
+                <a:ea typeface="微软雅黑" pitchFamily="34" charset="-122"/>
+                <a:cs typeface="Arial" pitchFamily="34" charset="0"/>
+                <a:sym typeface="+mn-ea"/>
+              </a:rPr>
+              <a:t>接入</a:t>
+            </a:r>
+            <a:r>
+              <a:rPr lang="zh-CN" altLang="zh-HK" sz="1400" dirty="0">
+                <a:solidFill>
+                  <a:srgbClr val="666666"/>
+                </a:solidFill>
+                <a:latin typeface="微软雅黑" pitchFamily="34" charset="-122"/>
+                <a:ea typeface="微软雅黑" pitchFamily="34" charset="-122"/>
+                <a:cs typeface="Arial" pitchFamily="34" charset="0"/>
+                <a:sym typeface="+mn-ea"/>
+              </a:rPr>
+              <a:t>数据库时可能需要重构数据库代码</a:t>
+            </a:r>
+            <a:endParaRPr lang="zh-CN" altLang="zh-HK" sz="1400" dirty="0">
+              <a:solidFill>
+                <a:srgbClr val="666666"/>
+              </a:solidFill>
+              <a:latin typeface="微软雅黑" pitchFamily="34" charset="-122"/>
+              <a:ea typeface="微软雅黑" pitchFamily="34" charset="-122"/>
+              <a:cs typeface="Arial" pitchFamily="34" charset="0"/>
+              <a:sym typeface="+mn-ea"/>
+            </a:endParaRPr>
+          </a:p>
+          <a:p>
+            <a:pPr lvl="0" algn="just"/>
+            <a:r>
+              <a:rPr lang="zh-CN" altLang="zh-HK" sz="1400" dirty="0">
+                <a:solidFill>
+                  <a:srgbClr val="666666"/>
+                </a:solidFill>
+                <a:latin typeface="微软雅黑" pitchFamily="34" charset="-122"/>
+                <a:ea typeface="微软雅黑" pitchFamily="34" charset="-122"/>
+                <a:cs typeface="Arial" pitchFamily="34" charset="0"/>
+                <a:sym typeface="+mn-ea"/>
+              </a:rPr>
+              <a:t>解决</a:t>
+            </a:r>
+            <a:r>
+              <a:rPr lang="zh-HK" altLang="zh-HK" sz="1400" dirty="0">
+                <a:solidFill>
+                  <a:srgbClr val="666666"/>
+                </a:solidFill>
+                <a:latin typeface="微软雅黑" pitchFamily="34" charset="-122"/>
+                <a:ea typeface="微软雅黑" pitchFamily="34" charset="-122"/>
+                <a:cs typeface="Arial" pitchFamily="34" charset="0"/>
+              </a:rPr>
+              <a:t>：完善数据库；</a:t>
+            </a:r>
+            <a:endParaRPr lang="zh-HK" altLang="zh-HK" sz="1400" dirty="0">
+              <a:solidFill>
+                <a:srgbClr val="666666"/>
+              </a:solidFill>
+              <a:latin typeface="微软雅黑" pitchFamily="34" charset="-122"/>
+              <a:ea typeface="微软雅黑" pitchFamily="34" charset="-122"/>
+              <a:cs typeface="Arial" pitchFamily="34" charset="0"/>
+            </a:endParaRPr>
+          </a:p>
+          <a:p>
+            <a:pPr lvl="0" algn="just"/>
+            <a:endParaRPr lang="zh-HK" altLang="zh-HK" sz="1400" dirty="0">
+              <a:solidFill>
+                <a:srgbClr val="666666"/>
+              </a:solidFill>
+              <a:latin typeface="微软雅黑" pitchFamily="34" charset="-122"/>
+              <a:ea typeface="微软雅黑" pitchFamily="34" charset="-122"/>
+              <a:cs typeface="Arial" pitchFamily="34" charset="0"/>
+            </a:endParaRPr>
+          </a:p>
+          <a:p>
+            <a:pPr lvl="0" algn="just"/>
+            <a:r>
+              <a:rPr lang="zh-CN" altLang="zh-HK" sz="1400" dirty="0">
+                <a:solidFill>
+                  <a:srgbClr val="666666"/>
+                </a:solidFill>
+                <a:latin typeface="微软雅黑" pitchFamily="34" charset="-122"/>
+                <a:ea typeface="微软雅黑" pitchFamily="34" charset="-122"/>
+              </a:rPr>
+              <a:t>目前是建立在药品以</a:t>
+            </a:r>
+            <a:r>
+              <a:rPr lang="zh-HK" altLang="zh-HK" sz="1400" dirty="0">
+                <a:solidFill>
+                  <a:srgbClr val="666666"/>
+                </a:solidFill>
+                <a:latin typeface="微软雅黑" pitchFamily="34" charset="-122"/>
+                <a:ea typeface="微软雅黑" pitchFamily="34" charset="-122"/>
+              </a:rPr>
+              <a:t>条形码作为唯一标识</a:t>
+            </a:r>
+            <a:r>
+              <a:rPr lang="zh-CN" altLang="zh-HK" sz="1400" dirty="0">
+                <a:solidFill>
+                  <a:srgbClr val="666666"/>
+                </a:solidFill>
+                <a:latin typeface="微软雅黑" pitchFamily="34" charset="-122"/>
+                <a:ea typeface="微软雅黑" pitchFamily="34" charset="-122"/>
+              </a:rPr>
+              <a:t>，以后如果出现其他识别方法，本系统将不能使用</a:t>
+            </a:r>
+            <a:endParaRPr lang="zh-CN" altLang="zh-HK" sz="1400" dirty="0">
+              <a:solidFill>
+                <a:srgbClr val="666666"/>
+              </a:solidFill>
+              <a:latin typeface="微软雅黑" pitchFamily="34" charset="-122"/>
+              <a:ea typeface="微软雅黑" pitchFamily="34" charset="-122"/>
+            </a:endParaRPr>
+          </a:p>
+          <a:p>
+            <a:pPr lvl="0" algn="just"/>
+            <a:r>
+              <a:rPr lang="zh-CN" altLang="zh-HK" sz="1400" dirty="0">
+                <a:solidFill>
+                  <a:srgbClr val="666666"/>
+                </a:solidFill>
+                <a:latin typeface="微软雅黑" pitchFamily="34" charset="-122"/>
+                <a:ea typeface="微软雅黑" pitchFamily="34" charset="-122"/>
+              </a:rPr>
+              <a:t>解决</a:t>
+            </a:r>
+            <a:r>
+              <a:rPr lang="zh-HK" altLang="zh-HK" sz="1400" dirty="0">
+                <a:solidFill>
+                  <a:srgbClr val="666666"/>
+                </a:solidFill>
+                <a:latin typeface="微软雅黑" pitchFamily="34" charset="-122"/>
+                <a:ea typeface="微软雅黑" pitchFamily="34" charset="-122"/>
+              </a:rPr>
+              <a:t>：二次升级；</a:t>
+            </a:r>
+            <a:endParaRPr lang="zh-HK" altLang="zh-HK" sz="1400" dirty="0">
+              <a:solidFill>
+                <a:srgbClr val="666666"/>
+              </a:solidFill>
+              <a:latin typeface="微软雅黑" pitchFamily="34" charset="-122"/>
+              <a:ea typeface="微软雅黑" pitchFamily="34" charset="-122"/>
+            </a:endParaRPr>
+          </a:p>
+          <a:p>
+            <a:pPr lvl="0" algn="just"/>
+            <a:endParaRPr lang="zh-HK" altLang="zh-HK" sz="1400" dirty="0">
+              <a:solidFill>
+                <a:srgbClr val="666666"/>
+              </a:solidFill>
+              <a:latin typeface="微软雅黑" pitchFamily="34" charset="-122"/>
+              <a:ea typeface="微软雅黑" pitchFamily="34" charset="-122"/>
+            </a:endParaRPr>
+          </a:p>
+          <a:p>
+            <a:pPr lvl="0" algn="just"/>
+            <a:r>
+              <a:rPr lang="zh-CN" altLang="zh-HK" sz="1400" dirty="0">
+                <a:solidFill>
+                  <a:srgbClr val="666666"/>
+                </a:solidFill>
+                <a:latin typeface="微软雅黑" pitchFamily="34" charset="-122"/>
+                <a:ea typeface="微软雅黑" pitchFamily="34" charset="-122"/>
+              </a:rPr>
+              <a:t>目前只有整装药品有条形码，对于</a:t>
+            </a:r>
+            <a:r>
+              <a:rPr lang="zh-HK" altLang="zh-HK" sz="1400" dirty="0">
+                <a:solidFill>
+                  <a:srgbClr val="666666"/>
+                </a:solidFill>
+                <a:latin typeface="微软雅黑" pitchFamily="34" charset="-122"/>
+                <a:ea typeface="微软雅黑" pitchFamily="34" charset="-122"/>
+              </a:rPr>
+              <a:t>散装药品</a:t>
+            </a:r>
+            <a:r>
+              <a:rPr lang="zh-CN" altLang="zh-HK" sz="1400" dirty="0">
+                <a:solidFill>
+                  <a:srgbClr val="666666"/>
+                </a:solidFill>
+                <a:latin typeface="微软雅黑" pitchFamily="34" charset="-122"/>
+                <a:ea typeface="微软雅黑" pitchFamily="34" charset="-122"/>
+              </a:rPr>
+              <a:t>不能利用本系统验证</a:t>
+            </a:r>
+            <a:endParaRPr lang="zh-CN" altLang="zh-HK" sz="1400" dirty="0">
+              <a:solidFill>
+                <a:srgbClr val="666666"/>
+              </a:solidFill>
+              <a:latin typeface="微软雅黑" pitchFamily="34" charset="-122"/>
+              <a:ea typeface="微软雅黑" pitchFamily="34" charset="-122"/>
+            </a:endParaRPr>
+          </a:p>
+          <a:p>
+            <a:pPr lvl="0" algn="just"/>
+            <a:r>
+              <a:rPr lang="zh-CN" altLang="zh-HK" sz="1400" dirty="0">
+                <a:solidFill>
+                  <a:srgbClr val="666666"/>
+                </a:solidFill>
+                <a:latin typeface="微软雅黑" pitchFamily="34" charset="-122"/>
+                <a:ea typeface="微软雅黑" pitchFamily="34" charset="-122"/>
+              </a:rPr>
+              <a:t>解决</a:t>
+            </a:r>
+            <a:r>
+              <a:rPr lang="zh-HK" altLang="zh-HK" sz="1400" dirty="0">
+                <a:solidFill>
+                  <a:srgbClr val="666666"/>
+                </a:solidFill>
+                <a:latin typeface="微软雅黑" pitchFamily="34" charset="-122"/>
+                <a:ea typeface="微软雅黑" pitchFamily="34" charset="-122"/>
+              </a:rPr>
+              <a:t>：为散装药品创建唯一</a:t>
+            </a:r>
+            <a:r>
+              <a:rPr lang="zh-CN" altLang="zh-HK" sz="1400" dirty="0">
+                <a:solidFill>
+                  <a:srgbClr val="666666"/>
+                </a:solidFill>
+                <a:latin typeface="微软雅黑" pitchFamily="34" charset="-122"/>
+                <a:ea typeface="微软雅黑" pitchFamily="34" charset="-122"/>
+              </a:rPr>
+              <a:t>识别</a:t>
+            </a:r>
+            <a:r>
+              <a:rPr lang="zh-HK" altLang="zh-HK" sz="1400" dirty="0">
+                <a:solidFill>
+                  <a:srgbClr val="666666"/>
+                </a:solidFill>
+                <a:latin typeface="微软雅黑" pitchFamily="34" charset="-122"/>
+                <a:ea typeface="微软雅黑" pitchFamily="34" charset="-122"/>
+              </a:rPr>
+              <a:t>条形码</a:t>
+            </a:r>
+            <a:r>
+              <a:rPr lang="zh-CN" altLang="zh-HK" sz="1400" dirty="0">
+                <a:solidFill>
+                  <a:srgbClr val="666666"/>
+                </a:solidFill>
+                <a:latin typeface="微软雅黑" pitchFamily="34" charset="-122"/>
+                <a:ea typeface="微软雅黑" pitchFamily="34" charset="-122"/>
+              </a:rPr>
+              <a:t>。</a:t>
+            </a:r>
+            <a:endParaRPr lang="zh-CN" altLang="zh-HK" sz="1400" dirty="0">
+              <a:solidFill>
+                <a:srgbClr val="666666"/>
+              </a:solidFill>
+              <a:latin typeface="微软雅黑" pitchFamily="34" charset="-122"/>
+              <a:ea typeface="微软雅黑" pitchFamily="34" charset="-122"/>
+            </a:endParaRPr>
+          </a:p>
+        </p:txBody>
+      </p:sp>
+      <p:sp>
+        <p:nvSpPr>
+          <p:cNvPr id="43" name="文本框 42"/>
+          <p:cNvSpPr txBox="1"/>
+          <p:nvPr/>
+        </p:nvSpPr>
+        <p:spPr>
+          <a:xfrm>
+            <a:off x="3670604" y="1425323"/>
+            <a:ext cx="2171700" cy="417830"/>
+          </a:xfrm>
+          <a:prstGeom prst="rect">
+            <a:avLst/>
+          </a:prstGeom>
+          <a:noFill/>
+        </p:spPr>
+        <p:txBody>
+          <a:bodyPr wrap="square" rtlCol="0">
+            <a:spAutoFit/>
+          </a:bodyPr>
+          <a:lstStyle/>
+          <a:p>
+            <a:pPr algn="ctr"/>
+            <a:r>
+              <a:rPr lang="zh-CN" altLang="zh-HK" sz="2000" b="1" dirty="0">
+                <a:solidFill>
+                  <a:srgbClr val="7C233E"/>
+                </a:solidFill>
+                <a:latin typeface="微软雅黑" pitchFamily="34" charset="-122"/>
+                <a:ea typeface="微软雅黑" pitchFamily="34" charset="-122"/>
+              </a:rPr>
+              <a:t>存在不足</a:t>
+            </a:r>
+            <a:endParaRPr lang="zh-CN" altLang="zh-HK" sz="2000" b="1" dirty="0">
+              <a:solidFill>
+                <a:srgbClr val="7C233E"/>
+              </a:solidFill>
+              <a:latin typeface="微软雅黑" pitchFamily="34" charset="-122"/>
+              <a:ea typeface="微软雅黑" pitchFamily="34" charset="-122"/>
+            </a:endParaRPr>
+          </a:p>
+        </p:txBody>
+      </p:sp>
+      <p:sp>
+        <p:nvSpPr>
+          <p:cNvPr id="46" name="矩形 45"/>
+          <p:cNvSpPr/>
+          <p:nvPr/>
+        </p:nvSpPr>
+        <p:spPr>
+          <a:xfrm>
+            <a:off x="3744264" y="5351021"/>
+            <a:ext cx="4292600" cy="1033145"/>
+          </a:xfrm>
+          <a:prstGeom prst="rect">
+            <a:avLst/>
+          </a:prstGeom>
+        </p:spPr>
+        <p:txBody>
+          <a:bodyPr wrap="square">
+            <a:spAutoFit/>
+          </a:bodyPr>
+          <a:lstStyle/>
+          <a:p>
+            <a:pPr lvl="0" algn="just"/>
+            <a:endParaRPr lang="zh-CN" altLang="en-US" sz="1100" b="1" dirty="0">
+              <a:solidFill>
+                <a:schemeClr val="tx1">
+                  <a:lumMod val="85000"/>
+                  <a:lumOff val="15000"/>
+                </a:schemeClr>
+              </a:solidFill>
+              <a:latin typeface="微软雅黑" pitchFamily="34" charset="-122"/>
+              <a:ea typeface="微软雅黑" pitchFamily="34" charset="-122"/>
+              <a:sym typeface="+mn-ea"/>
+            </a:endParaRPr>
+          </a:p>
+          <a:p>
+            <a:pPr lvl="0" algn="just"/>
+            <a:endParaRPr lang="zh-CN" altLang="en-US" sz="1100" b="1" dirty="0">
+              <a:solidFill>
+                <a:schemeClr val="tx1">
+                  <a:lumMod val="85000"/>
+                  <a:lumOff val="15000"/>
+                </a:schemeClr>
+              </a:solidFill>
+              <a:latin typeface="微软雅黑" pitchFamily="34" charset="-122"/>
+              <a:ea typeface="微软雅黑" pitchFamily="34" charset="-122"/>
+              <a:sym typeface="+mn-ea"/>
+            </a:endParaRPr>
+          </a:p>
+          <a:p>
+            <a:pPr lvl="0" algn="just"/>
+            <a:r>
+              <a:rPr lang="zh-CN" altLang="zh-HK" sz="1400" dirty="0">
+                <a:solidFill>
+                  <a:srgbClr val="666666"/>
+                </a:solidFill>
+                <a:latin typeface="微软雅黑" pitchFamily="34" charset="-122"/>
+                <a:ea typeface="微软雅黑" pitchFamily="34" charset="-122"/>
+                <a:cs typeface="Arial" pitchFamily="34" charset="0"/>
+                <a:sym typeface="+mn-ea"/>
+              </a:rPr>
+              <a:t>继续对本系统进行完善，修复缺陷；</a:t>
+            </a:r>
+            <a:endParaRPr lang="zh-CN" altLang="zh-HK" sz="1400" dirty="0">
+              <a:solidFill>
+                <a:srgbClr val="666666"/>
+              </a:solidFill>
+              <a:latin typeface="微软雅黑" pitchFamily="34" charset="-122"/>
+              <a:ea typeface="微软雅黑" pitchFamily="34" charset="-122"/>
+              <a:cs typeface="Arial" pitchFamily="34" charset="0"/>
+              <a:sym typeface="+mn-ea"/>
+            </a:endParaRPr>
+          </a:p>
+          <a:p>
+            <a:pPr lvl="0" algn="just"/>
+            <a:r>
+              <a:rPr lang="zh-CN" altLang="zh-HK" sz="1400" dirty="0">
+                <a:solidFill>
+                  <a:srgbClr val="666666"/>
+                </a:solidFill>
+                <a:latin typeface="微软雅黑" pitchFamily="34" charset="-122"/>
+                <a:ea typeface="微软雅黑" pitchFamily="34" charset="-122"/>
+                <a:cs typeface="Arial" pitchFamily="34" charset="0"/>
+                <a:sym typeface="+mn-ea"/>
+              </a:rPr>
+              <a:t>希望日后有人可以做出一个完善的医疗系统。</a:t>
+            </a:r>
+            <a:endParaRPr lang="zh-HK" altLang="zh-HK" sz="1400" dirty="0">
+              <a:solidFill>
+                <a:srgbClr val="666666"/>
+              </a:solidFill>
+              <a:latin typeface="微软雅黑" pitchFamily="34" charset="-122"/>
+              <a:ea typeface="微软雅黑" pitchFamily="34" charset="-122"/>
+            </a:endParaRPr>
+          </a:p>
+          <a:p>
+            <a:pPr lvl="0" algn="just"/>
             <a:endParaRPr lang="zh-HK" altLang="zh-HK" sz="1100" dirty="0">
               <a:solidFill>
                 <a:srgbClr val="666666"/>
@@ -20829,14 +23717,14 @@
       </p:sp>
       <p:sp>
         <p:nvSpPr>
-          <p:cNvPr id="43" name="文本框 42"/>
+          <p:cNvPr id="47" name="文本框 46"/>
           <p:cNvSpPr txBox="1"/>
           <p:nvPr/>
         </p:nvSpPr>
         <p:spPr>
           <a:xfrm>
-            <a:off x="3670604" y="1425323"/>
-            <a:ext cx="2171700" cy="369332"/>
+            <a:off x="3131820" y="5077460"/>
+            <a:ext cx="2783840" cy="417830"/>
           </a:xfrm>
           <a:prstGeom prst="rect">
             <a:avLst/>
@@ -20851,228 +23739,16 @@
           <a:p>
             <a:pPr algn="ctr"/>
             <a:r>
-              <a:rPr lang="en-US" altLang="zh-CN" b="1" dirty="0" smtClean="0">
+              <a:rPr lang="zh-CN" altLang="en-US" sz="2000" b="1" dirty="0">
                 <a:solidFill>
                   <a:srgbClr val="7C233E"/>
                 </a:solidFill>
                 <a:latin typeface="微软雅黑" pitchFamily="34" charset="-122"/>
                 <a:ea typeface="微软雅黑" pitchFamily="34" charset="-122"/>
               </a:rPr>
-              <a:t>ADD YOUR TITLE</a:t>
+              <a:t>展望</a:t>
             </a:r>
-            <a:endParaRPr lang="zh-HK" altLang="en-US" b="1" dirty="0">
-              <a:solidFill>
-                <a:srgbClr val="7C233E"/>
-              </a:solidFill>
-              <a:latin typeface="微软雅黑" pitchFamily="34" charset="-122"/>
-              <a:ea typeface="微软雅黑" pitchFamily="34" charset="-122"/>
-            </a:endParaRPr>
-          </a:p>
-        </p:txBody>
-      </p:sp>
-      <p:sp>
-        <p:nvSpPr>
-          <p:cNvPr id="44" name="矩形 43"/>
-          <p:cNvSpPr/>
-          <p:nvPr/>
-        </p:nvSpPr>
-        <p:spPr>
-          <a:xfrm>
-            <a:off x="4458209" y="3299634"/>
-            <a:ext cx="4292600" cy="938719"/>
-          </a:xfrm>
-          <a:prstGeom prst="rect">
-            <a:avLst/>
-          </a:prstGeom>
-        </p:spPr>
-        <p:txBody>
-          <a:bodyPr wrap="square">
-            <a:spAutoFit/>
-          </a:bodyPr>
-          <a:lstStyle/>
-          <a:p>
-            <a:pPr lvl="0" algn="just"/>
-            <a:r>
-              <a:rPr lang="en-US" altLang="zh-HK" sz="1100" dirty="0">
-                <a:solidFill>
-                  <a:srgbClr val="666666"/>
-                </a:solidFill>
-                <a:latin typeface="微软雅黑" pitchFamily="34" charset="-122"/>
-                <a:ea typeface="微软雅黑" pitchFamily="34" charset="-122"/>
-              </a:rPr>
-              <a:t>It was the best of times, it was the worst of times; it was the age of wisdom, it was the age of </a:t>
-            </a:r>
-            <a:r>
-              <a:rPr lang="en-US" altLang="zh-HK" sz="1100" dirty="0" smtClean="0">
-                <a:solidFill>
-                  <a:srgbClr val="666666"/>
-                </a:solidFill>
-                <a:latin typeface="微软雅黑" pitchFamily="34" charset="-122"/>
-                <a:ea typeface="微软雅黑" pitchFamily="34" charset="-122"/>
-              </a:rPr>
-              <a:t>foolishness.</a:t>
-            </a:r>
-            <a:r>
-              <a:rPr lang="zh-HK" altLang="zh-HK" sz="1100" dirty="0">
-                <a:solidFill>
-                  <a:srgbClr val="666666"/>
-                </a:solidFill>
-                <a:latin typeface="微软雅黑" pitchFamily="34" charset="-122"/>
-                <a:ea typeface="微软雅黑" pitchFamily="34" charset="-122"/>
-                <a:cs typeface="Arial" pitchFamily="34" charset="0"/>
-              </a:rPr>
-              <a:t> It was the epoch of belief, and it was the epoch of incredulity. It was the season of light, and it was the season of darkness. It was the spring of hope, and it was the winter of despair. </a:t>
-            </a:r>
-            <a:endParaRPr lang="zh-HK" altLang="zh-HK" sz="1100" dirty="0">
-              <a:solidFill>
-                <a:srgbClr val="666666"/>
-              </a:solidFill>
-              <a:latin typeface="微软雅黑" pitchFamily="34" charset="-122"/>
-              <a:ea typeface="微软雅黑" pitchFamily="34" charset="-122"/>
-            </a:endParaRPr>
-          </a:p>
-        </p:txBody>
-      </p:sp>
-      <p:sp>
-        <p:nvSpPr>
-          <p:cNvPr id="45" name="文本框 44"/>
-          <p:cNvSpPr txBox="1"/>
-          <p:nvPr/>
-        </p:nvSpPr>
-        <p:spPr>
-          <a:xfrm>
-            <a:off x="4458209" y="3011992"/>
-            <a:ext cx="2171700" cy="369332"/>
-          </a:xfrm>
-          <a:prstGeom prst="rect">
-            <a:avLst/>
-          </a:prstGeom>
-          <a:noFill/>
-        </p:spPr>
-        <p:txBody>
-          <a:bodyPr wrap="square" rtlCol="0">
-            <a:spAutoFit/>
-          </a:bodyPr>
-          <a:lstStyle/>
-          <a:p>
-            <a:pPr algn="ctr"/>
-            <a:r>
-              <a:rPr lang="en-US" altLang="zh-CN" b="1" dirty="0" smtClean="0">
-                <a:solidFill>
-                  <a:srgbClr val="7C233E"/>
-                </a:solidFill>
-                <a:latin typeface="微软雅黑" pitchFamily="34" charset="-122"/>
-                <a:ea typeface="微软雅黑" pitchFamily="34" charset="-122"/>
-              </a:rPr>
-              <a:t>ADD YOUR TITLE</a:t>
-            </a:r>
-            <a:endParaRPr lang="zh-HK" altLang="en-US" b="1" dirty="0">
-              <a:solidFill>
-                <a:srgbClr val="7C233E"/>
-              </a:solidFill>
-              <a:latin typeface="微软雅黑" pitchFamily="34" charset="-122"/>
-              <a:ea typeface="微软雅黑" pitchFamily="34" charset="-122"/>
-            </a:endParaRPr>
-          </a:p>
-        </p:txBody>
-      </p:sp>
-      <p:sp>
-        <p:nvSpPr>
-          <p:cNvPr id="46" name="矩形 45"/>
-          <p:cNvSpPr/>
-          <p:nvPr/>
-        </p:nvSpPr>
-        <p:spPr>
-          <a:xfrm>
-            <a:off x="3670604" y="5030981"/>
-            <a:ext cx="4292600" cy="938719"/>
-          </a:xfrm>
-          <a:prstGeom prst="rect">
-            <a:avLst/>
-          </a:prstGeom>
-        </p:spPr>
-        <p:txBody>
-          <a:bodyPr wrap="square">
-            <a:spAutoFit/>
-          </a:bodyPr>
-          <a:lstStyle/>
-          <a:p>
-            <a:pPr lvl="0" algn="just"/>
-            <a:r>
-              <a:rPr lang="en-US" altLang="zh-HK" sz="1100" dirty="0">
-                <a:solidFill>
-                  <a:srgbClr val="666666"/>
-                </a:solidFill>
-                <a:latin typeface="微软雅黑" pitchFamily="34" charset="-122"/>
-                <a:ea typeface="微软雅黑" pitchFamily="34" charset="-122"/>
-              </a:rPr>
-              <a:t>It was the best of times, it was the worst of times; it was the age of wisdom, it was the age of </a:t>
-            </a:r>
-            <a:r>
-              <a:rPr lang="en-US" altLang="zh-HK" sz="1100" dirty="0" smtClean="0">
-                <a:solidFill>
-                  <a:srgbClr val="666666"/>
-                </a:solidFill>
-                <a:latin typeface="微软雅黑" pitchFamily="34" charset="-122"/>
-                <a:ea typeface="微软雅黑" pitchFamily="34" charset="-122"/>
-              </a:rPr>
-              <a:t>foolishness.</a:t>
-            </a:r>
-            <a:r>
-              <a:rPr lang="zh-HK" altLang="zh-HK" sz="1100" dirty="0">
-                <a:solidFill>
-                  <a:srgbClr val="666666"/>
-                </a:solidFill>
-                <a:latin typeface="微软雅黑" pitchFamily="34" charset="-122"/>
-                <a:ea typeface="微软雅黑" pitchFamily="34" charset="-122"/>
-                <a:cs typeface="Arial" pitchFamily="34" charset="0"/>
-              </a:rPr>
-              <a:t> It was the epoch of belief, and it was the epoch of incredulity. It was the season of light, and it was the season of darkness. It was the spring of hope, and it was the winter of despair. </a:t>
-            </a:r>
-            <a:endParaRPr lang="zh-HK" altLang="zh-HK" sz="1100" dirty="0">
-              <a:solidFill>
-                <a:srgbClr val="666666"/>
-              </a:solidFill>
-              <a:latin typeface="微软雅黑" pitchFamily="34" charset="-122"/>
-              <a:ea typeface="微软雅黑" pitchFamily="34" charset="-122"/>
-            </a:endParaRPr>
-          </a:p>
-        </p:txBody>
-      </p:sp>
-      <p:sp>
-        <p:nvSpPr>
-          <p:cNvPr id="47" name="文本框 46"/>
-          <p:cNvSpPr txBox="1"/>
-          <p:nvPr/>
-        </p:nvSpPr>
-        <p:spPr>
-          <a:xfrm>
-            <a:off x="3670604" y="4743339"/>
-            <a:ext cx="2171700" cy="369332"/>
-          </a:xfrm>
-          <a:prstGeom prst="rect">
-            <a:avLst/>
-          </a:prstGeom>
-          <a:noFill/>
-        </p:spPr>
-        <p:txBody>
-          <a:bodyPr wrap="square" rtlCol="0">
-            <a:spAutoFit/>
-          </a:bodyPr>
-          <a:lstStyle/>
-          <a:p>
-            <a:pPr algn="ctr"/>
-            <a:r>
-              <a:rPr lang="en-US" altLang="zh-CN" b="1" dirty="0" smtClean="0">
-                <a:solidFill>
-                  <a:srgbClr val="7C233E"/>
-                </a:solidFill>
-                <a:latin typeface="微软雅黑" pitchFamily="34" charset="-122"/>
-                <a:ea typeface="微软雅黑" pitchFamily="34" charset="-122"/>
-              </a:rPr>
-              <a:t>ADD YOUR TITLE</a:t>
-            </a:r>
-            <a:endParaRPr lang="zh-HK" altLang="en-US" b="1" dirty="0">
+            <a:endParaRPr lang="zh-CN" altLang="en-US" sz="2000" b="1" dirty="0">
               <a:solidFill>
                 <a:srgbClr val="7C233E"/>
               </a:solidFill>
@@ -23467,7 +26143,7 @@
         <p:spPr>
           <a:xfrm>
             <a:off x="1281113" y="4137747"/>
-            <a:ext cx="2657475" cy="523220"/>
+            <a:ext cx="2657475" cy="548640"/>
           </a:xfrm>
           <a:prstGeom prst="rect">
             <a:avLst/>
@@ -23482,16 +26158,16 @@
           <a:p>
             <a:pPr algn="ctr"/>
             <a:r>
-              <a:rPr lang="en-US" altLang="zh-CN" sz="2800" b="1" spc="300" dirty="0" smtClean="0">
+              <a:rPr lang="zh-CN" altLang="zh-HK" sz="2800" b="1" spc="300" dirty="0">
                 <a:solidFill>
                   <a:srgbClr val="7C233E"/>
                 </a:solidFill>
                 <a:latin typeface="微软雅黑" pitchFamily="34" charset="-122"/>
                 <a:ea typeface="微软雅黑" pitchFamily="34" charset="-122"/>
               </a:rPr>
-              <a:t>CONTANTS</a:t>
+              <a:t>目录</a:t>
             </a:r>
-            <a:endParaRPr lang="zh-HK" altLang="en-US" sz="2800" b="1" spc="300" dirty="0">
+            <a:endParaRPr lang="zh-CN" altLang="zh-HK" sz="2800" b="1" spc="300" dirty="0">
               <a:solidFill>
                 <a:srgbClr val="7C233E"/>
               </a:solidFill>
@@ -24265,7 +26941,7 @@
         <p:spPr>
           <a:xfrm>
             <a:off x="1767696" y="1506037"/>
-            <a:ext cx="5207000" cy="523220"/>
+            <a:ext cx="5207000" cy="548640"/>
           </a:xfrm>
           <a:prstGeom prst="rect">
             <a:avLst/>
@@ -24289,7 +26965,7 @@
                 <a:latin typeface="微软雅黑" pitchFamily="34" charset="-122"/>
                 <a:ea typeface="微软雅黑" pitchFamily="34" charset="-122"/>
               </a:rPr>
-              <a:t>目前医院取药验证</a:t>
+              <a:t>医院取药验证的现状</a:t>
             </a:r>
             <a:endParaRPr lang="zh-CN" altLang="zh-HK" sz="2800" dirty="0">
               <a:solidFill>
@@ -24310,7 +26986,7 @@
         <p:spPr>
           <a:xfrm>
             <a:off x="1815956" y="2376691"/>
-            <a:ext cx="5207000" cy="523220"/>
+            <a:ext cx="5207000" cy="548640"/>
           </a:xfrm>
           <a:prstGeom prst="rect">
             <a:avLst/>
@@ -24334,7 +27010,7 @@
                 <a:latin typeface="微软雅黑" pitchFamily="34" charset="-122"/>
                 <a:ea typeface="微软雅黑" pitchFamily="34" charset="-122"/>
               </a:rPr>
-              <a:t>取药出错数量及影响</a:t>
+              <a:t>取药出错数目及影响</a:t>
             </a:r>
             <a:endParaRPr lang="zh-CN" altLang="zh-HK" sz="2800" dirty="0">
               <a:solidFill>
@@ -24816,7 +27492,7 @@
         </p:blipFill>
         <p:spPr>
           <a:xfrm>
-            <a:off x="1767840" y="3359785"/>
+            <a:off x="1767840" y="3204845"/>
             <a:ext cx="5593715" cy="3215640"/>
           </a:xfrm>
           <a:prstGeom prst="rect">
@@ -24828,6 +27504,50 @@
           </a:ln>
         </p:spPr>
       </p:pic>
+      <p:sp>
+        <p:nvSpPr>
+          <p:cNvPr id="2" name="文本框 1"/>
+          <p:cNvSpPr txBox="1"/>
+          <p:nvPr/>
+        </p:nvSpPr>
+        <p:spPr>
+          <a:xfrm>
+            <a:off x="2870200" y="6420485"/>
+            <a:ext cx="3388360" cy="306705"/>
+          </a:xfrm>
+          <a:prstGeom prst="rect">
+            <a:avLst/>
+          </a:prstGeom>
+          <a:noFill/>
+        </p:spPr>
+        <p:txBody>
+          <a:bodyPr wrap="none" rtlCol="0">
+            <a:spAutoFit/>
+          </a:bodyPr>
+          <a:p>
+            <a:pPr algn="ctr"/>
+            <a:r>
+              <a:rPr lang="zh-CN" altLang="en-US" sz="1400">
+                <a:solidFill>
+                  <a:schemeClr val="tx1">
+                    <a:lumMod val="65000"/>
+                    <a:lumOff val="35000"/>
+                  </a:schemeClr>
+                </a:solidFill>
+              </a:rPr>
+              <a:t>交大一附院2015年门诊药房记录差错数量</a:t>
+            </a:r>
+            <a:endParaRPr lang="zh-CN" altLang="en-US" sz="1400">
+              <a:solidFill>
+                <a:schemeClr val="tx1">
+                  <a:lumMod val="65000"/>
+                  <a:lumOff val="35000"/>
+                </a:schemeClr>
+              </a:solidFill>
+            </a:endParaRPr>
+          </a:p>
+        </p:txBody>
+      </p:sp>
     </p:spTree>
   </p:cSld>
   <p:clrMapOvr>
@@ -25515,7 +28235,7 @@
         </p:nvSpPr>
         <p:spPr>
           <a:xfrm>
-            <a:off x="2152730" y="3936956"/>
+            <a:off x="1692990" y="4121106"/>
             <a:ext cx="1381561" cy="1381561"/>
           </a:xfrm>
           <a:prstGeom prst="ellipse">
@@ -25678,8 +28398,8 @@
         </p:nvCxnSpPr>
         <p:spPr>
           <a:xfrm flipV="1">
-            <a:off x="3263168" y="3711484"/>
-            <a:ext cx="1007329" cy="610075"/>
+            <a:off x="2703830" y="3711575"/>
+            <a:ext cx="1566545" cy="942975"/>
           </a:xfrm>
           <a:prstGeom prst="line">
             <a:avLst/>
@@ -27099,7 +29819,7 @@
         </p:blipFill>
         <p:spPr>
           <a:xfrm>
-            <a:off x="1254125" y="4147820"/>
+            <a:off x="5589270" y="4175760"/>
             <a:ext cx="2856865" cy="1943100"/>
           </a:xfrm>
           <a:prstGeom prst="rect">
@@ -27116,7 +29836,7 @@
         <p:spPr>
           <a:xfrm>
             <a:off x="5738495" y="1829435"/>
-            <a:ext cx="2354580" cy="1554480"/>
+            <a:ext cx="2354580" cy="1920240"/>
           </a:xfrm>
           <a:prstGeom prst="rect">
             <a:avLst/>
@@ -27227,8 +29947,57 @@
               </a:solidFill>
             </a:endParaRPr>
           </a:p>
-        </p:txBody>
-      </p:sp>
+          <a:p>
+            <a:pPr marL="342900" indent="-342900">
+              <a:buFont typeface="Wingdings" charset="0"/>
+              <a:buChar char="l"/>
+            </a:pPr>
+            <a:r>
+              <a:rPr lang="zh-CN" altLang="en-US" sz="2400">
+                <a:solidFill>
+                  <a:schemeClr val="tx1">
+                    <a:lumMod val="75000"/>
+                    <a:lumOff val="25000"/>
+                  </a:schemeClr>
+                </a:solidFill>
+              </a:rPr>
+              <a:t>应用广泛</a:t>
+            </a:r>
+            <a:endParaRPr lang="zh-CN" altLang="en-US" sz="2400">
+              <a:solidFill>
+                <a:schemeClr val="tx1">
+                  <a:lumMod val="75000"/>
+                  <a:lumOff val="25000"/>
+                </a:schemeClr>
+              </a:solidFill>
+            </a:endParaRPr>
+          </a:p>
+        </p:txBody>
+      </p:sp>
+      <p:pic>
+        <p:nvPicPr>
+          <p:cNvPr id="4" name="图片 2" descr="399575856185225144"/>
+          <p:cNvPicPr>
+            <a:picLocks noChangeAspect="1"/>
+          </p:cNvPicPr>
+          <p:nvPr/>
+        </p:nvPicPr>
+        <p:blipFill>
+          <a:blip r:embed="rId2"/>
+          <a:stretch>
+            <a:fillRect/>
+          </a:stretch>
+        </p:blipFill>
+        <p:spPr>
+          <a:xfrm>
+            <a:off x="440690" y="3498850"/>
+            <a:ext cx="4284345" cy="3213735"/>
+          </a:xfrm>
+          <a:prstGeom prst="rect">
+            <a:avLst/>
+          </a:prstGeom>
+        </p:spPr>
+      </p:pic>
     </p:spTree>
   </p:cSld>
   <p:clrMapOvr>
@@ -27812,6 +30581,131 @@
             <a:endParaRPr lang="zh-HK" altLang="en-US" b="1" spc="300" dirty="0">
               <a:latin typeface="微软雅黑" pitchFamily="34" charset="-122"/>
               <a:ea typeface="微软雅黑" pitchFamily="34" charset="-122"/>
+            </a:endParaRPr>
+          </a:p>
+        </p:txBody>
+      </p:sp>
+      <p:pic>
+        <p:nvPicPr>
+          <p:cNvPr id="7" name="图片 3" descr="IMG_256"/>
+          <p:cNvPicPr>
+            <a:picLocks noChangeAspect="1"/>
+          </p:cNvPicPr>
+          <p:nvPr/>
+        </p:nvPicPr>
+        <p:blipFill>
+          <a:blip r:embed="rId1"/>
+          <a:stretch>
+            <a:fillRect/>
+          </a:stretch>
+        </p:blipFill>
+        <p:spPr>
+          <a:xfrm>
+            <a:off x="336550" y="3407410"/>
+            <a:ext cx="4401185" cy="2943225"/>
+          </a:xfrm>
+          <a:prstGeom prst="rect">
+            <a:avLst/>
+          </a:prstGeom>
+          <a:noFill/>
+          <a:ln w="9525">
+            <a:noFill/>
+          </a:ln>
+        </p:spPr>
+      </p:pic>
+      <p:pic>
+        <p:nvPicPr>
+          <p:cNvPr id="8" name="图片 4" descr="IMG_256"/>
+          <p:cNvPicPr>
+            <a:picLocks noChangeAspect="1"/>
+          </p:cNvPicPr>
+          <p:nvPr/>
+        </p:nvPicPr>
+        <p:blipFill>
+          <a:blip r:embed="rId2"/>
+          <a:stretch>
+            <a:fillRect/>
+          </a:stretch>
+        </p:blipFill>
+        <p:spPr>
+          <a:xfrm>
+            <a:off x="5418455" y="3936365"/>
+            <a:ext cx="3241040" cy="2161540"/>
+          </a:xfrm>
+          <a:prstGeom prst="rect">
+            <a:avLst/>
+          </a:prstGeom>
+          <a:noFill/>
+          <a:ln w="9525">
+            <a:noFill/>
+          </a:ln>
+        </p:spPr>
+      </p:pic>
+      <p:sp>
+        <p:nvSpPr>
+          <p:cNvPr id="70" name="文本框 69"/>
+          <p:cNvSpPr txBox="1"/>
+          <p:nvPr/>
+        </p:nvSpPr>
+        <p:spPr>
+          <a:xfrm>
+            <a:off x="5308600" y="2021205"/>
+            <a:ext cx="3237865" cy="1465580"/>
+          </a:xfrm>
+          <a:prstGeom prst="rect">
+            <a:avLst/>
+          </a:prstGeom>
+          <a:noFill/>
+        </p:spPr>
+        <p:txBody>
+          <a:bodyPr wrap="square" rtlCol="0">
+            <a:spAutoFit/>
+          </a:bodyPr>
+          <a:p>
+            <a:pPr indent="0" algn="l">
+              <a:buFont typeface="Wingdings" charset="0"/>
+              <a:buNone/>
+            </a:pPr>
+            <a:r>
+              <a:rPr lang="zh-CN" altLang="en-US">
+                <a:solidFill>
+                  <a:schemeClr val="tx1">
+                    <a:lumMod val="75000"/>
+                    <a:lumOff val="25000"/>
+                  </a:schemeClr>
+                </a:solidFill>
+              </a:rPr>
+              <a:t>美国食品和药品监管局（FDA）早在</a:t>
+            </a:r>
+            <a:r>
+              <a:rPr lang="en-US" altLang="zh-CN">
+                <a:solidFill>
+                  <a:schemeClr val="tx1">
+                    <a:lumMod val="75000"/>
+                    <a:lumOff val="25000"/>
+                  </a:schemeClr>
+                </a:solidFill>
+              </a:rPr>
+              <a:t>2004</a:t>
+            </a:r>
+            <a:r>
+              <a:rPr lang="zh-CN" altLang="en-US">
+                <a:solidFill>
+                  <a:schemeClr val="tx1">
+                    <a:lumMod val="75000"/>
+                    <a:lumOff val="25000"/>
+                  </a:schemeClr>
+                </a:solidFill>
+              </a:rPr>
+              <a:t>年就颁布了法令，要求所有的企业将需要出售给医院的所有药品要像超市的商品一样附有条形码</a:t>
+            </a:r>
+            <a:endParaRPr lang="zh-CN" altLang="en-US">
+              <a:solidFill>
+                <a:schemeClr val="tx1">
+                  <a:lumMod val="75000"/>
+                  <a:lumOff val="25000"/>
+                </a:schemeClr>
+              </a:solidFill>
             </a:endParaRPr>
           </a:p>
         </p:txBody>
